--- a/המסכם.pptx
+++ b/המסכם.pptx
@@ -5,10 +5,10 @@
     <p:sldMasterId id="2147483648" r:id="rId1"/>
   </p:sldMasterIdLst>
   <p:notesMasterIdLst>
-    <p:notesMasterId r:id="rId12"/>
+    <p:notesMasterId r:id="rId17"/>
   </p:notesMasterIdLst>
   <p:handoutMasterIdLst>
-    <p:handoutMasterId r:id="rId13"/>
+    <p:handoutMasterId r:id="rId18"/>
   </p:handoutMasterIdLst>
   <p:sldIdLst>
     <p:sldId id="256" r:id="rId2"/>
@@ -21,6 +21,11 @@
     <p:sldId id="262" r:id="rId9"/>
     <p:sldId id="265" r:id="rId10"/>
     <p:sldId id="263" r:id="rId11"/>
+    <p:sldId id="266" r:id="rId12"/>
+    <p:sldId id="267" r:id="rId13"/>
+    <p:sldId id="268" r:id="rId14"/>
+    <p:sldId id="269" r:id="rId15"/>
+    <p:sldId id="270" r:id="rId16"/>
   </p:sldIdLst>
   <p:sldSz cx="12192000" cy="6858000"/>
   <p:notesSz cx="6858000" cy="9144000"/>
@@ -4139,6 +4144,614 @@
     <p:extLst>
       <p:ext uri="{BB962C8B-B14F-4D97-AF65-F5344CB8AC3E}">
         <p14:creationId xmlns:p14="http://schemas.microsoft.com/office/powerpoint/2010/main" val="3951538614"/>
+      </p:ext>
+    </p:extLst>
+  </p:cSld>
+  <p:clrMapOvr>
+    <a:masterClrMapping/>
+  </p:clrMapOvr>
+</p:sld>
+</file>
+
+<file path=ppt/slides/slide11.xml><?xml version="1.0" encoding="utf-8"?>
+<p:sld xmlns:a="http://schemas.openxmlformats.org/drawingml/2006/main" xmlns:r="http://schemas.openxmlformats.org/officeDocument/2006/relationships" xmlns:p="http://schemas.openxmlformats.org/presentationml/2006/main">
+  <p:cSld>
+    <p:spTree>
+      <p:nvGrpSpPr>
+        <p:cNvPr id="1" name=""/>
+        <p:cNvGrpSpPr/>
+        <p:nvPr/>
+      </p:nvGrpSpPr>
+      <p:grpSpPr>
+        <a:xfrm>
+          <a:off x="0" y="0"/>
+          <a:ext cx="0" cy="0"/>
+          <a:chOff x="0" y="0"/>
+          <a:chExt cx="0" cy="0"/>
+        </a:xfrm>
+      </p:grpSpPr>
+      <p:sp>
+        <p:nvSpPr>
+          <p:cNvPr id="2" name="כותרת 1">
+            <a:extLst>
+              <a:ext uri="{FF2B5EF4-FFF2-40B4-BE49-F238E27FC236}">
+                <a16:creationId xmlns:a16="http://schemas.microsoft.com/office/drawing/2014/main" id="{DD99027F-423B-439E-97A2-F88A190FB00E}"/>
+              </a:ext>
+            </a:extLst>
+          </p:cNvPr>
+          <p:cNvSpPr>
+            <a:spLocks noGrp="1"/>
+          </p:cNvSpPr>
+          <p:nvPr>
+            <p:ph type="title"/>
+          </p:nvPr>
+        </p:nvSpPr>
+        <p:spPr/>
+        <p:txBody>
+          <a:bodyPr/>
+          <a:lstStyle/>
+          <a:p>
+            <a:r>
+              <a:rPr lang="he-IL" dirty="0"/>
+              <a:t>תיאור המערכת בפועל</a:t>
+            </a:r>
+          </a:p>
+        </p:txBody>
+      </p:sp>
+      <p:sp>
+        <p:nvSpPr>
+          <p:cNvPr id="3" name="מציין מיקום תוכן 2">
+            <a:extLst>
+              <a:ext uri="{FF2B5EF4-FFF2-40B4-BE49-F238E27FC236}">
+                <a16:creationId xmlns:a16="http://schemas.microsoft.com/office/drawing/2014/main" id="{9325CB5E-2AED-432B-B9CE-8A32063F3D98}"/>
+              </a:ext>
+            </a:extLst>
+          </p:cNvPr>
+          <p:cNvSpPr>
+            <a:spLocks noGrp="1"/>
+          </p:cNvSpPr>
+          <p:nvPr>
+            <p:ph idx="1"/>
+          </p:nvPr>
+        </p:nvSpPr>
+        <p:spPr/>
+        <p:txBody>
+          <a:bodyPr/>
+          <a:lstStyle/>
+          <a:p>
+            <a:endParaRPr lang="he-IL"/>
+          </a:p>
+        </p:txBody>
+      </p:sp>
+      <p:sp>
+        <p:nvSpPr>
+          <p:cNvPr id="4" name="מציין מיקום של תאריך 3">
+            <a:extLst>
+              <a:ext uri="{FF2B5EF4-FFF2-40B4-BE49-F238E27FC236}">
+                <a16:creationId xmlns:a16="http://schemas.microsoft.com/office/drawing/2014/main" id="{52DCD12D-6DB1-49E2-AEA4-ACF5B5BF6E96}"/>
+              </a:ext>
+            </a:extLst>
+          </p:cNvPr>
+          <p:cNvSpPr>
+            <a:spLocks noGrp="1"/>
+          </p:cNvSpPr>
+          <p:nvPr>
+            <p:ph type="dt" sz="half" idx="10"/>
+          </p:nvPr>
+        </p:nvSpPr>
+        <p:spPr>
+          <a:xfrm>
+            <a:off x="8610600" y="489596"/>
+            <a:ext cx="2743200" cy="365125"/>
+          </a:xfrm>
+        </p:spPr>
+        <p:txBody>
+          <a:bodyPr/>
+          <a:lstStyle/>
+          <a:p>
+            <a:r>
+              <a:rPr lang="he-IL" dirty="0"/>
+              <a:t>בס"ד</a:t>
+            </a:r>
+          </a:p>
+        </p:txBody>
+      </p:sp>
+    </p:spTree>
+    <p:extLst>
+      <p:ext uri="{BB962C8B-B14F-4D97-AF65-F5344CB8AC3E}">
+        <p14:creationId xmlns:p14="http://schemas.microsoft.com/office/powerpoint/2010/main" val="2753062504"/>
+      </p:ext>
+    </p:extLst>
+  </p:cSld>
+  <p:clrMapOvr>
+    <a:masterClrMapping/>
+  </p:clrMapOvr>
+</p:sld>
+</file>
+
+<file path=ppt/slides/slide12.xml><?xml version="1.0" encoding="utf-8"?>
+<p:sld xmlns:a="http://schemas.openxmlformats.org/drawingml/2006/main" xmlns:r="http://schemas.openxmlformats.org/officeDocument/2006/relationships" xmlns:p="http://schemas.openxmlformats.org/presentationml/2006/main">
+  <p:cSld>
+    <p:spTree>
+      <p:nvGrpSpPr>
+        <p:cNvPr id="1" name=""/>
+        <p:cNvGrpSpPr/>
+        <p:nvPr/>
+      </p:nvGrpSpPr>
+      <p:grpSpPr>
+        <a:xfrm>
+          <a:off x="0" y="0"/>
+          <a:ext cx="0" cy="0"/>
+          <a:chOff x="0" y="0"/>
+          <a:chExt cx="0" cy="0"/>
+        </a:xfrm>
+      </p:grpSpPr>
+      <p:sp>
+        <p:nvSpPr>
+          <p:cNvPr id="2" name="כותרת 1">
+            <a:extLst>
+              <a:ext uri="{FF2B5EF4-FFF2-40B4-BE49-F238E27FC236}">
+                <a16:creationId xmlns:a16="http://schemas.microsoft.com/office/drawing/2014/main" id="{ED6D234D-5824-4A48-82FF-F3729E71EEB6}"/>
+              </a:ext>
+            </a:extLst>
+          </p:cNvPr>
+          <p:cNvSpPr>
+            <a:spLocks noGrp="1"/>
+          </p:cNvSpPr>
+          <p:nvPr>
+            <p:ph type="title"/>
+          </p:nvPr>
+        </p:nvSpPr>
+        <p:spPr/>
+        <p:txBody>
+          <a:bodyPr/>
+          <a:lstStyle/>
+          <a:p>
+            <a:endParaRPr lang="he-IL"/>
+          </a:p>
+        </p:txBody>
+      </p:sp>
+      <p:pic>
+        <p:nvPicPr>
+          <p:cNvPr id="6" name="מציין מיקום תוכן 5">
+            <a:extLst>
+              <a:ext uri="{FF2B5EF4-FFF2-40B4-BE49-F238E27FC236}">
+                <a16:creationId xmlns:a16="http://schemas.microsoft.com/office/drawing/2014/main" id="{51E8B0B2-4D74-4A22-BF4C-B742C096CFFD}"/>
+              </a:ext>
+            </a:extLst>
+          </p:cNvPr>
+          <p:cNvPicPr>
+            <a:picLocks noGrp="1" noChangeAspect="1"/>
+          </p:cNvPicPr>
+          <p:nvPr>
+            <p:ph idx="1"/>
+          </p:nvPr>
+        </p:nvPicPr>
+        <p:blipFill>
+          <a:blip r:embed="rId2">
+            <a:extLst>
+              <a:ext uri="{28A0092B-C50C-407E-A947-70E740481C1C}">
+                <a14:useLocalDpi xmlns:a14="http://schemas.microsoft.com/office/drawing/2010/main" val="0"/>
+              </a:ext>
+            </a:extLst>
+          </a:blip>
+          <a:stretch>
+            <a:fillRect/>
+          </a:stretch>
+        </p:blipFill>
+        <p:spPr>
+          <a:xfrm>
+            <a:off x="1711099" y="1912036"/>
+            <a:ext cx="8769801" cy="4178515"/>
+          </a:xfrm>
+        </p:spPr>
+      </p:pic>
+      <p:sp>
+        <p:nvSpPr>
+          <p:cNvPr id="4" name="מציין מיקום של תאריך 3">
+            <a:extLst>
+              <a:ext uri="{FF2B5EF4-FFF2-40B4-BE49-F238E27FC236}">
+                <a16:creationId xmlns:a16="http://schemas.microsoft.com/office/drawing/2014/main" id="{AD6A681D-F4C0-490E-B2DD-34BF173F392A}"/>
+              </a:ext>
+            </a:extLst>
+          </p:cNvPr>
+          <p:cNvSpPr>
+            <a:spLocks noGrp="1"/>
+          </p:cNvSpPr>
+          <p:nvPr>
+            <p:ph type="dt" sz="half" idx="10"/>
+          </p:nvPr>
+        </p:nvSpPr>
+        <p:spPr>
+          <a:xfrm>
+            <a:off x="8610600" y="365125"/>
+            <a:ext cx="2743200" cy="365125"/>
+          </a:xfrm>
+        </p:spPr>
+        <p:txBody>
+          <a:bodyPr/>
+          <a:lstStyle/>
+          <a:p>
+            <a:r>
+              <a:rPr lang="he-IL" dirty="0"/>
+              <a:t>בס"ד</a:t>
+            </a:r>
+          </a:p>
+        </p:txBody>
+      </p:sp>
+    </p:spTree>
+    <p:extLst>
+      <p:ext uri="{BB962C8B-B14F-4D97-AF65-F5344CB8AC3E}">
+        <p14:creationId xmlns:p14="http://schemas.microsoft.com/office/powerpoint/2010/main" val="1039253759"/>
+      </p:ext>
+    </p:extLst>
+  </p:cSld>
+  <p:clrMapOvr>
+    <a:masterClrMapping/>
+  </p:clrMapOvr>
+</p:sld>
+</file>
+
+<file path=ppt/slides/slide13.xml><?xml version="1.0" encoding="utf-8"?>
+<p:sld xmlns:a="http://schemas.openxmlformats.org/drawingml/2006/main" xmlns:r="http://schemas.openxmlformats.org/officeDocument/2006/relationships" xmlns:p="http://schemas.openxmlformats.org/presentationml/2006/main">
+  <p:cSld>
+    <p:spTree>
+      <p:nvGrpSpPr>
+        <p:cNvPr id="1" name=""/>
+        <p:cNvGrpSpPr/>
+        <p:nvPr/>
+      </p:nvGrpSpPr>
+      <p:grpSpPr>
+        <a:xfrm>
+          <a:off x="0" y="0"/>
+          <a:ext cx="0" cy="0"/>
+          <a:chOff x="0" y="0"/>
+          <a:chExt cx="0" cy="0"/>
+        </a:xfrm>
+      </p:grpSpPr>
+      <p:sp>
+        <p:nvSpPr>
+          <p:cNvPr id="2" name="כותרת 1">
+            <a:extLst>
+              <a:ext uri="{FF2B5EF4-FFF2-40B4-BE49-F238E27FC236}">
+                <a16:creationId xmlns:a16="http://schemas.microsoft.com/office/drawing/2014/main" id="{308778D4-907B-4077-A62A-5E016E951A8F}"/>
+              </a:ext>
+            </a:extLst>
+          </p:cNvPr>
+          <p:cNvSpPr>
+            <a:spLocks noGrp="1"/>
+          </p:cNvSpPr>
+          <p:nvPr>
+            <p:ph type="title"/>
+          </p:nvPr>
+        </p:nvSpPr>
+        <p:spPr/>
+        <p:txBody>
+          <a:bodyPr/>
+          <a:lstStyle/>
+          <a:p>
+            <a:endParaRPr lang="he-IL"/>
+          </a:p>
+        </p:txBody>
+      </p:sp>
+      <p:pic>
+        <p:nvPicPr>
+          <p:cNvPr id="6" name="מציין מיקום תוכן 5">
+            <a:extLst>
+              <a:ext uri="{FF2B5EF4-FFF2-40B4-BE49-F238E27FC236}">
+                <a16:creationId xmlns:a16="http://schemas.microsoft.com/office/drawing/2014/main" id="{EFE211FA-F7E9-488C-822B-E82D7BEED085}"/>
+              </a:ext>
+            </a:extLst>
+          </p:cNvPr>
+          <p:cNvPicPr>
+            <a:picLocks noGrp="1" noChangeAspect="1"/>
+          </p:cNvPicPr>
+          <p:nvPr>
+            <p:ph idx="1"/>
+          </p:nvPr>
+        </p:nvPicPr>
+        <p:blipFill>
+          <a:blip r:embed="rId2">
+            <a:extLst>
+              <a:ext uri="{28A0092B-C50C-407E-A947-70E740481C1C}">
+                <a14:useLocalDpi xmlns:a14="http://schemas.microsoft.com/office/drawing/2010/main" val="0"/>
+              </a:ext>
+            </a:extLst>
+          </a:blip>
+          <a:stretch>
+            <a:fillRect/>
+          </a:stretch>
+        </p:blipFill>
+        <p:spPr>
+          <a:xfrm>
+            <a:off x="1711099" y="2045393"/>
+            <a:ext cx="8769801" cy="3911801"/>
+          </a:xfrm>
+        </p:spPr>
+      </p:pic>
+      <p:sp>
+        <p:nvSpPr>
+          <p:cNvPr id="4" name="מציין מיקום של תאריך 3">
+            <a:extLst>
+              <a:ext uri="{FF2B5EF4-FFF2-40B4-BE49-F238E27FC236}">
+                <a16:creationId xmlns:a16="http://schemas.microsoft.com/office/drawing/2014/main" id="{0A1F7D28-A39D-47D2-B455-E3138375E5DA}"/>
+              </a:ext>
+            </a:extLst>
+          </p:cNvPr>
+          <p:cNvSpPr>
+            <a:spLocks noGrp="1"/>
+          </p:cNvSpPr>
+          <p:nvPr>
+            <p:ph type="dt" sz="half" idx="10"/>
+          </p:nvPr>
+        </p:nvSpPr>
+        <p:spPr>
+          <a:xfrm>
+            <a:off x="8610600" y="365125"/>
+            <a:ext cx="2743200" cy="365125"/>
+          </a:xfrm>
+        </p:spPr>
+        <p:txBody>
+          <a:bodyPr/>
+          <a:lstStyle/>
+          <a:p>
+            <a:r>
+              <a:rPr lang="he-IL" dirty="0"/>
+              <a:t>בס"ד</a:t>
+            </a:r>
+          </a:p>
+        </p:txBody>
+      </p:sp>
+    </p:spTree>
+    <p:extLst>
+      <p:ext uri="{BB962C8B-B14F-4D97-AF65-F5344CB8AC3E}">
+        <p14:creationId xmlns:p14="http://schemas.microsoft.com/office/powerpoint/2010/main" val="914275699"/>
+      </p:ext>
+    </p:extLst>
+  </p:cSld>
+  <p:clrMapOvr>
+    <a:masterClrMapping/>
+  </p:clrMapOvr>
+</p:sld>
+</file>
+
+<file path=ppt/slides/slide14.xml><?xml version="1.0" encoding="utf-8"?>
+<p:sld xmlns:a="http://schemas.openxmlformats.org/drawingml/2006/main" xmlns:r="http://schemas.openxmlformats.org/officeDocument/2006/relationships" xmlns:p="http://schemas.openxmlformats.org/presentationml/2006/main">
+  <p:cSld>
+    <p:spTree>
+      <p:nvGrpSpPr>
+        <p:cNvPr id="1" name=""/>
+        <p:cNvGrpSpPr/>
+        <p:nvPr/>
+      </p:nvGrpSpPr>
+      <p:grpSpPr>
+        <a:xfrm>
+          <a:off x="0" y="0"/>
+          <a:ext cx="0" cy="0"/>
+          <a:chOff x="0" y="0"/>
+          <a:chExt cx="0" cy="0"/>
+        </a:xfrm>
+      </p:grpSpPr>
+      <p:sp>
+        <p:nvSpPr>
+          <p:cNvPr id="2" name="כותרת 1">
+            <a:extLst>
+              <a:ext uri="{FF2B5EF4-FFF2-40B4-BE49-F238E27FC236}">
+                <a16:creationId xmlns:a16="http://schemas.microsoft.com/office/drawing/2014/main" id="{E892D1CA-3639-4528-AD17-6A167534B2F0}"/>
+              </a:ext>
+            </a:extLst>
+          </p:cNvPr>
+          <p:cNvSpPr>
+            <a:spLocks noGrp="1"/>
+          </p:cNvSpPr>
+          <p:nvPr>
+            <p:ph type="title"/>
+          </p:nvPr>
+        </p:nvSpPr>
+        <p:spPr/>
+        <p:txBody>
+          <a:bodyPr/>
+          <a:lstStyle/>
+          <a:p>
+            <a:endParaRPr lang="he-IL"/>
+          </a:p>
+        </p:txBody>
+      </p:sp>
+      <p:pic>
+        <p:nvPicPr>
+          <p:cNvPr id="6" name="מציין מיקום תוכן 5">
+            <a:extLst>
+              <a:ext uri="{FF2B5EF4-FFF2-40B4-BE49-F238E27FC236}">
+                <a16:creationId xmlns:a16="http://schemas.microsoft.com/office/drawing/2014/main" id="{51496A71-7033-4783-9C3A-AD770D139F3A}"/>
+              </a:ext>
+            </a:extLst>
+          </p:cNvPr>
+          <p:cNvPicPr>
+            <a:picLocks noGrp="1" noChangeAspect="1"/>
+          </p:cNvPicPr>
+          <p:nvPr>
+            <p:ph idx="1"/>
+          </p:nvPr>
+        </p:nvPicPr>
+        <p:blipFill>
+          <a:blip r:embed="rId2">
+            <a:extLst>
+              <a:ext uri="{28A0092B-C50C-407E-A947-70E740481C1C}">
+                <a14:useLocalDpi xmlns:a14="http://schemas.microsoft.com/office/drawing/2010/main" val="0"/>
+              </a:ext>
+            </a:extLst>
+          </a:blip>
+          <a:stretch>
+            <a:fillRect/>
+          </a:stretch>
+        </p:blipFill>
+        <p:spPr>
+          <a:xfrm>
+            <a:off x="1768252" y="2502617"/>
+            <a:ext cx="8655495" cy="2997354"/>
+          </a:xfrm>
+        </p:spPr>
+      </p:pic>
+      <p:sp>
+        <p:nvSpPr>
+          <p:cNvPr id="4" name="מציין מיקום של תאריך 3">
+            <a:extLst>
+              <a:ext uri="{FF2B5EF4-FFF2-40B4-BE49-F238E27FC236}">
+                <a16:creationId xmlns:a16="http://schemas.microsoft.com/office/drawing/2014/main" id="{3D6FBC32-1866-49CD-B783-10119E370985}"/>
+              </a:ext>
+            </a:extLst>
+          </p:cNvPr>
+          <p:cNvSpPr>
+            <a:spLocks noGrp="1"/>
+          </p:cNvSpPr>
+          <p:nvPr>
+            <p:ph type="dt" sz="half" idx="10"/>
+          </p:nvPr>
+        </p:nvSpPr>
+        <p:spPr>
+          <a:xfrm>
+            <a:off x="8610600" y="365125"/>
+            <a:ext cx="2743200" cy="365125"/>
+          </a:xfrm>
+        </p:spPr>
+        <p:txBody>
+          <a:bodyPr/>
+          <a:lstStyle/>
+          <a:p>
+            <a:r>
+              <a:rPr lang="he-IL" dirty="0"/>
+              <a:t>בס"ד</a:t>
+            </a:r>
+          </a:p>
+        </p:txBody>
+      </p:sp>
+    </p:spTree>
+    <p:extLst>
+      <p:ext uri="{BB962C8B-B14F-4D97-AF65-F5344CB8AC3E}">
+        <p14:creationId xmlns:p14="http://schemas.microsoft.com/office/powerpoint/2010/main" val="206774896"/>
+      </p:ext>
+    </p:extLst>
+  </p:cSld>
+  <p:clrMapOvr>
+    <a:masterClrMapping/>
+  </p:clrMapOvr>
+</p:sld>
+</file>
+
+<file path=ppt/slides/slide15.xml><?xml version="1.0" encoding="utf-8"?>
+<p:sld xmlns:a="http://schemas.openxmlformats.org/drawingml/2006/main" xmlns:r="http://schemas.openxmlformats.org/officeDocument/2006/relationships" xmlns:p="http://schemas.openxmlformats.org/presentationml/2006/main">
+  <p:cSld>
+    <p:spTree>
+      <p:nvGrpSpPr>
+        <p:cNvPr id="1" name=""/>
+        <p:cNvGrpSpPr/>
+        <p:nvPr/>
+      </p:nvGrpSpPr>
+      <p:grpSpPr>
+        <a:xfrm>
+          <a:off x="0" y="0"/>
+          <a:ext cx="0" cy="0"/>
+          <a:chOff x="0" y="0"/>
+          <a:chExt cx="0" cy="0"/>
+        </a:xfrm>
+      </p:grpSpPr>
+      <p:sp>
+        <p:nvSpPr>
+          <p:cNvPr id="2" name="כותרת 1">
+            <a:extLst>
+              <a:ext uri="{FF2B5EF4-FFF2-40B4-BE49-F238E27FC236}">
+                <a16:creationId xmlns:a16="http://schemas.microsoft.com/office/drawing/2014/main" id="{FCCF9D9D-817C-4548-86E9-B8D04E798EB8}"/>
+              </a:ext>
+            </a:extLst>
+          </p:cNvPr>
+          <p:cNvSpPr>
+            <a:spLocks noGrp="1"/>
+          </p:cNvSpPr>
+          <p:nvPr>
+            <p:ph type="title"/>
+          </p:nvPr>
+        </p:nvSpPr>
+        <p:spPr/>
+        <p:txBody>
+          <a:bodyPr/>
+          <a:lstStyle/>
+          <a:p>
+            <a:endParaRPr lang="he-IL"/>
+          </a:p>
+        </p:txBody>
+      </p:sp>
+      <p:pic>
+        <p:nvPicPr>
+          <p:cNvPr id="6" name="מציין מיקום תוכן 5">
+            <a:extLst>
+              <a:ext uri="{FF2B5EF4-FFF2-40B4-BE49-F238E27FC236}">
+                <a16:creationId xmlns:a16="http://schemas.microsoft.com/office/drawing/2014/main" id="{36B2693F-A80B-4AD3-A80B-AF907EDF3BE0}"/>
+              </a:ext>
+            </a:extLst>
+          </p:cNvPr>
+          <p:cNvPicPr>
+            <a:picLocks noGrp="1" noChangeAspect="1"/>
+          </p:cNvPicPr>
+          <p:nvPr>
+            <p:ph idx="1"/>
+          </p:nvPr>
+        </p:nvPicPr>
+        <p:blipFill>
+          <a:blip r:embed="rId2">
+            <a:extLst>
+              <a:ext uri="{28A0092B-C50C-407E-A947-70E740481C1C}">
+                <a14:useLocalDpi xmlns:a14="http://schemas.microsoft.com/office/drawing/2010/main" val="0"/>
+              </a:ext>
+            </a:extLst>
+          </a:blip>
+          <a:stretch>
+            <a:fillRect/>
+          </a:stretch>
+        </p:blipFill>
+        <p:spPr>
+          <a:xfrm>
+            <a:off x="1853982" y="2200976"/>
+            <a:ext cx="9163746" cy="3889105"/>
+          </a:xfrm>
+        </p:spPr>
+      </p:pic>
+      <p:sp>
+        <p:nvSpPr>
+          <p:cNvPr id="4" name="מציין מיקום של תאריך 3">
+            <a:extLst>
+              <a:ext uri="{FF2B5EF4-FFF2-40B4-BE49-F238E27FC236}">
+                <a16:creationId xmlns:a16="http://schemas.microsoft.com/office/drawing/2014/main" id="{CF2E3FBE-1411-4F6B-81DF-114FA636AB3F}"/>
+              </a:ext>
+            </a:extLst>
+          </p:cNvPr>
+          <p:cNvSpPr>
+            <a:spLocks noGrp="1"/>
+          </p:cNvSpPr>
+          <p:nvPr>
+            <p:ph type="dt" sz="half" idx="10"/>
+          </p:nvPr>
+        </p:nvSpPr>
+        <p:spPr>
+          <a:xfrm>
+            <a:off x="8610600" y="365125"/>
+            <a:ext cx="2743200" cy="365125"/>
+          </a:xfrm>
+        </p:spPr>
+        <p:txBody>
+          <a:bodyPr/>
+          <a:lstStyle/>
+          <a:p>
+            <a:r>
+              <a:rPr lang="he-IL" dirty="0"/>
+              <a:t>בס"ד</a:t>
+            </a:r>
+          </a:p>
+        </p:txBody>
+      </p:sp>
+    </p:spTree>
+    <p:extLst>
+      <p:ext uri="{BB962C8B-B14F-4D97-AF65-F5344CB8AC3E}">
+        <p14:creationId xmlns:p14="http://schemas.microsoft.com/office/powerpoint/2010/main" val="536972207"/>
       </p:ext>
     </p:extLst>
   </p:cSld>

--- a/המסכם.pptx
+++ b/המסכם.pptx
@@ -5,27 +5,43 @@
     <p:sldMasterId id="2147483648" r:id="rId1"/>
   </p:sldMasterIdLst>
   <p:notesMasterIdLst>
-    <p:notesMasterId r:id="rId17"/>
+    <p:notesMasterId r:id="rId33"/>
   </p:notesMasterIdLst>
   <p:handoutMasterIdLst>
-    <p:handoutMasterId r:id="rId18"/>
+    <p:handoutMasterId r:id="rId34"/>
   </p:handoutMasterIdLst>
   <p:sldIdLst>
     <p:sldId id="256" r:id="rId2"/>
     <p:sldId id="257" r:id="rId3"/>
-    <p:sldId id="258" r:id="rId4"/>
-    <p:sldId id="259" r:id="rId5"/>
-    <p:sldId id="264" r:id="rId6"/>
-    <p:sldId id="260" r:id="rId7"/>
-    <p:sldId id="261" r:id="rId8"/>
-    <p:sldId id="262" r:id="rId9"/>
-    <p:sldId id="265" r:id="rId10"/>
-    <p:sldId id="263" r:id="rId11"/>
-    <p:sldId id="266" r:id="rId12"/>
-    <p:sldId id="267" r:id="rId13"/>
-    <p:sldId id="268" r:id="rId14"/>
-    <p:sldId id="269" r:id="rId15"/>
-    <p:sldId id="270" r:id="rId16"/>
+    <p:sldId id="277" r:id="rId4"/>
+    <p:sldId id="258" r:id="rId5"/>
+    <p:sldId id="259" r:id="rId6"/>
+    <p:sldId id="264" r:id="rId7"/>
+    <p:sldId id="260" r:id="rId8"/>
+    <p:sldId id="261" r:id="rId9"/>
+    <p:sldId id="262" r:id="rId10"/>
+    <p:sldId id="265" r:id="rId11"/>
+    <p:sldId id="263" r:id="rId12"/>
+    <p:sldId id="266" r:id="rId13"/>
+    <p:sldId id="279" r:id="rId14"/>
+    <p:sldId id="280" r:id="rId15"/>
+    <p:sldId id="282" r:id="rId16"/>
+    <p:sldId id="281" r:id="rId17"/>
+    <p:sldId id="283" r:id="rId18"/>
+    <p:sldId id="285" r:id="rId19"/>
+    <p:sldId id="273" r:id="rId20"/>
+    <p:sldId id="286" r:id="rId21"/>
+    <p:sldId id="272" r:id="rId22"/>
+    <p:sldId id="274" r:id="rId23"/>
+    <p:sldId id="284" r:id="rId24"/>
+    <p:sldId id="275" r:id="rId25"/>
+    <p:sldId id="278" r:id="rId26"/>
+    <p:sldId id="267" r:id="rId27"/>
+    <p:sldId id="268" r:id="rId28"/>
+    <p:sldId id="269" r:id="rId29"/>
+    <p:sldId id="270" r:id="rId30"/>
+    <p:sldId id="271" r:id="rId31"/>
+    <p:sldId id="276" r:id="rId32"/>
   </p:sldIdLst>
   <p:sldSz cx="12192000" cy="6858000"/>
   <p:notesSz cx="6858000" cy="9144000"/>
@@ -3896,10 +3912,26 @@
           <a:lstStyle/>
           <a:p>
             <a:r>
-              <a:rPr lang="he-IL" sz="7200" dirty="0"/>
+              <a:rPr lang="he-IL" sz="7200" dirty="0">
+                <a:effectLst>
+                  <a:outerShdw blurRad="38100" dist="38100" dir="2700000" algn="tl">
+                    <a:srgbClr val="000000">
+                      <a:alpha val="43137"/>
+                    </a:srgbClr>
+                  </a:outerShdw>
+                </a:effectLst>
+              </a:rPr>
               <a:t>המסכם</a:t>
             </a:r>
-            <a:endParaRPr lang="he-IL" dirty="0"/>
+            <a:endParaRPr lang="he-IL" dirty="0">
+              <a:effectLst>
+                <a:outerShdw blurRad="38100" dist="38100" dir="2700000" algn="tl">
+                  <a:srgbClr val="000000">
+                    <a:alpha val="43137"/>
+                  </a:srgbClr>
+                </a:outerShdw>
+              </a:effectLst>
+            </a:endParaRPr>
           </a:p>
         </p:txBody>
       </p:sp>
@@ -4047,7 +4079,7 @@
           <p:cNvPr id="2" name="כותרת 1">
             <a:extLst>
               <a:ext uri="{FF2B5EF4-FFF2-40B4-BE49-F238E27FC236}">
-                <a16:creationId xmlns:a16="http://schemas.microsoft.com/office/drawing/2014/main" id="{10F7B8C9-7B7F-4A2F-AC7B-97A703D1DA17}"/>
+                <a16:creationId xmlns:a16="http://schemas.microsoft.com/office/drawing/2014/main" id="{846648D6-0B27-4FB7-9D92-5A2D52194A9B}"/>
               </a:ext>
             </a:extLst>
           </p:cNvPr>
@@ -4066,7 +4098,7 @@
             <a:pPr algn="l"/>
             <a:r>
               <a:rPr lang="en-US" dirty="0"/>
-              <a:t>ERD</a:t>
+              <a:t>Sequence diagram</a:t>
             </a:r>
             <a:endParaRPr lang="he-IL" dirty="0"/>
           </a:p>
@@ -4077,7 +4109,7 @@
           <p:cNvPr id="6" name="מציין מיקום תוכן 5">
             <a:extLst>
               <a:ext uri="{FF2B5EF4-FFF2-40B4-BE49-F238E27FC236}">
-                <a16:creationId xmlns:a16="http://schemas.microsoft.com/office/drawing/2014/main" id="{ABC7A87F-5DEB-4A3C-AED4-B163AC202AE5}"/>
+                <a16:creationId xmlns:a16="http://schemas.microsoft.com/office/drawing/2014/main" id="{99F198C9-5185-4823-BD04-09DD377C629A}"/>
               </a:ext>
             </a:extLst>
           </p:cNvPr>
@@ -4102,8 +4134,8 @@
         </p:blipFill>
         <p:spPr>
           <a:xfrm>
-            <a:off x="1761667" y="1391567"/>
-            <a:ext cx="8873781" cy="4964845"/>
+            <a:off x="2423621" y="1825625"/>
+            <a:ext cx="7344758" cy="4351338"/>
           </a:xfrm>
         </p:spPr>
       </p:pic>
@@ -4112,7 +4144,7 @@
           <p:cNvPr id="4" name="מציין מיקום של תאריך 3">
             <a:extLst>
               <a:ext uri="{FF2B5EF4-FFF2-40B4-BE49-F238E27FC236}">
-                <a16:creationId xmlns:a16="http://schemas.microsoft.com/office/drawing/2014/main" id="{297B7137-65C6-487A-8A76-5DC2D6665406}"/>
+                <a16:creationId xmlns:a16="http://schemas.microsoft.com/office/drawing/2014/main" id="{187FE761-8A9F-4236-BCBB-6A37119B36E3}"/>
               </a:ext>
             </a:extLst>
           </p:cNvPr>
@@ -4125,7 +4157,7 @@
         </p:nvSpPr>
         <p:spPr>
           <a:xfrm>
-            <a:off x="8610600" y="501588"/>
+            <a:off x="8610600" y="498474"/>
             <a:ext cx="2743200" cy="365125"/>
           </a:xfrm>
         </p:spPr>
@@ -4134,7 +4166,7 @@
           <a:lstStyle/>
           <a:p>
             <a:r>
-              <a:rPr lang="he-IL" dirty="0"/>
+              <a:rPr lang="he-IL"/>
               <a:t>בס"ד</a:t>
             </a:r>
           </a:p>
@@ -4143,7 +4175,7 @@
     </p:spTree>
     <p:extLst>
       <p:ext uri="{BB962C8B-B14F-4D97-AF65-F5344CB8AC3E}">
-        <p14:creationId xmlns:p14="http://schemas.microsoft.com/office/powerpoint/2010/main" val="3951538614"/>
+        <p14:creationId xmlns:p14="http://schemas.microsoft.com/office/powerpoint/2010/main" val="218581016"/>
       </p:ext>
     </p:extLst>
   </p:cSld>
@@ -4175,7 +4207,7 @@
           <p:cNvPr id="2" name="כותרת 1">
             <a:extLst>
               <a:ext uri="{FF2B5EF4-FFF2-40B4-BE49-F238E27FC236}">
-                <a16:creationId xmlns:a16="http://schemas.microsoft.com/office/drawing/2014/main" id="{DD99027F-423B-439E-97A2-F88A190FB00E}"/>
+                <a16:creationId xmlns:a16="http://schemas.microsoft.com/office/drawing/2014/main" id="{10F7B8C9-7B7F-4A2F-AC7B-97A703D1DA17}"/>
               </a:ext>
             </a:extLst>
           </p:cNvPr>
@@ -4191,44 +4223,56 @@
           <a:bodyPr/>
           <a:lstStyle/>
           <a:p>
-            <a:r>
-              <a:rPr lang="he-IL" dirty="0"/>
-              <a:t>תיאור המערכת בפועל</a:t>
-            </a:r>
-          </a:p>
-        </p:txBody>
-      </p:sp>
-      <p:sp>
-        <p:nvSpPr>
-          <p:cNvPr id="3" name="מציין מיקום תוכן 2">
-            <a:extLst>
-              <a:ext uri="{FF2B5EF4-FFF2-40B4-BE49-F238E27FC236}">
-                <a16:creationId xmlns:a16="http://schemas.microsoft.com/office/drawing/2014/main" id="{9325CB5E-2AED-432B-B9CE-8A32063F3D98}"/>
-              </a:ext>
-            </a:extLst>
-          </p:cNvPr>
-          <p:cNvSpPr>
-            <a:spLocks noGrp="1"/>
-          </p:cNvSpPr>
+            <a:pPr algn="l"/>
+            <a:r>
+              <a:rPr lang="en-US" dirty="0"/>
+              <a:t>ERD</a:t>
+            </a:r>
+            <a:endParaRPr lang="he-IL" dirty="0"/>
+          </a:p>
+        </p:txBody>
+      </p:sp>
+      <p:pic>
+        <p:nvPicPr>
+          <p:cNvPr id="6" name="מציין מיקום תוכן 5">
+            <a:extLst>
+              <a:ext uri="{FF2B5EF4-FFF2-40B4-BE49-F238E27FC236}">
+                <a16:creationId xmlns:a16="http://schemas.microsoft.com/office/drawing/2014/main" id="{ABC7A87F-5DEB-4A3C-AED4-B163AC202AE5}"/>
+              </a:ext>
+            </a:extLst>
+          </p:cNvPr>
+          <p:cNvPicPr>
+            <a:picLocks noGrp="1" noChangeAspect="1"/>
+          </p:cNvPicPr>
           <p:nvPr>
             <p:ph idx="1"/>
           </p:nvPr>
-        </p:nvSpPr>
-        <p:spPr/>
-        <p:txBody>
-          <a:bodyPr/>
-          <a:lstStyle/>
-          <a:p>
-            <a:endParaRPr lang="he-IL"/>
-          </a:p>
-        </p:txBody>
-      </p:sp>
+        </p:nvPicPr>
+        <p:blipFill>
+          <a:blip r:embed="rId2">
+            <a:extLst>
+              <a:ext uri="{28A0092B-C50C-407E-A947-70E740481C1C}">
+                <a14:useLocalDpi xmlns:a14="http://schemas.microsoft.com/office/drawing/2010/main" val="0"/>
+              </a:ext>
+            </a:extLst>
+          </a:blip>
+          <a:stretch>
+            <a:fillRect/>
+          </a:stretch>
+        </p:blipFill>
+        <p:spPr>
+          <a:xfrm>
+            <a:off x="1761667" y="1391567"/>
+            <a:ext cx="8873781" cy="4964845"/>
+          </a:xfrm>
+        </p:spPr>
+      </p:pic>
       <p:sp>
         <p:nvSpPr>
           <p:cNvPr id="4" name="מציין מיקום של תאריך 3">
             <a:extLst>
               <a:ext uri="{FF2B5EF4-FFF2-40B4-BE49-F238E27FC236}">
-                <a16:creationId xmlns:a16="http://schemas.microsoft.com/office/drawing/2014/main" id="{52DCD12D-6DB1-49E2-AEA4-ACF5B5BF6E96}"/>
+                <a16:creationId xmlns:a16="http://schemas.microsoft.com/office/drawing/2014/main" id="{297B7137-65C6-487A-8A76-5DC2D6665406}"/>
               </a:ext>
             </a:extLst>
           </p:cNvPr>
@@ -4241,7 +4285,7 @@
         </p:nvSpPr>
         <p:spPr>
           <a:xfrm>
-            <a:off x="8610600" y="489596"/>
+            <a:off x="8610600" y="501588"/>
             <a:ext cx="2743200" cy="365125"/>
           </a:xfrm>
         </p:spPr>
@@ -4259,7 +4303,7 @@
     </p:spTree>
     <p:extLst>
       <p:ext uri="{BB962C8B-B14F-4D97-AF65-F5344CB8AC3E}">
-        <p14:creationId xmlns:p14="http://schemas.microsoft.com/office/powerpoint/2010/main" val="2753062504"/>
+        <p14:creationId xmlns:p14="http://schemas.microsoft.com/office/powerpoint/2010/main" val="3951538614"/>
       </p:ext>
     </p:extLst>
   </p:cSld>
@@ -4291,7 +4335,7 @@
           <p:cNvPr id="2" name="כותרת 1">
             <a:extLst>
               <a:ext uri="{FF2B5EF4-FFF2-40B4-BE49-F238E27FC236}">
-                <a16:creationId xmlns:a16="http://schemas.microsoft.com/office/drawing/2014/main" id="{ED6D234D-5824-4A48-82FF-F3729E71EEB6}"/>
+                <a16:creationId xmlns:a16="http://schemas.microsoft.com/office/drawing/2014/main" id="{DD99027F-423B-439E-97A2-F88A190FB00E}"/>
               </a:ext>
             </a:extLst>
           </p:cNvPr>
@@ -4307,51 +4351,44 @@
           <a:bodyPr/>
           <a:lstStyle/>
           <a:p>
+            <a:r>
+              <a:rPr lang="he-IL" dirty="0"/>
+              <a:t>תיאור המערכת בפועל</a:t>
+            </a:r>
+          </a:p>
+        </p:txBody>
+      </p:sp>
+      <p:sp>
+        <p:nvSpPr>
+          <p:cNvPr id="3" name="מציין מיקום תוכן 2">
+            <a:extLst>
+              <a:ext uri="{FF2B5EF4-FFF2-40B4-BE49-F238E27FC236}">
+                <a16:creationId xmlns:a16="http://schemas.microsoft.com/office/drawing/2014/main" id="{9325CB5E-2AED-432B-B9CE-8A32063F3D98}"/>
+              </a:ext>
+            </a:extLst>
+          </p:cNvPr>
+          <p:cNvSpPr>
+            <a:spLocks noGrp="1"/>
+          </p:cNvSpPr>
+          <p:nvPr>
+            <p:ph idx="1"/>
+          </p:nvPr>
+        </p:nvSpPr>
+        <p:spPr/>
+        <p:txBody>
+          <a:bodyPr/>
+          <a:lstStyle/>
+          <a:p>
             <a:endParaRPr lang="he-IL"/>
           </a:p>
         </p:txBody>
       </p:sp>
-      <p:pic>
-        <p:nvPicPr>
-          <p:cNvPr id="6" name="מציין מיקום תוכן 5">
-            <a:extLst>
-              <a:ext uri="{FF2B5EF4-FFF2-40B4-BE49-F238E27FC236}">
-                <a16:creationId xmlns:a16="http://schemas.microsoft.com/office/drawing/2014/main" id="{51E8B0B2-4D74-4A22-BF4C-B742C096CFFD}"/>
-              </a:ext>
-            </a:extLst>
-          </p:cNvPr>
-          <p:cNvPicPr>
-            <a:picLocks noGrp="1" noChangeAspect="1"/>
-          </p:cNvPicPr>
-          <p:nvPr>
-            <p:ph idx="1"/>
-          </p:nvPr>
-        </p:nvPicPr>
-        <p:blipFill>
-          <a:blip r:embed="rId2">
-            <a:extLst>
-              <a:ext uri="{28A0092B-C50C-407E-A947-70E740481C1C}">
-                <a14:useLocalDpi xmlns:a14="http://schemas.microsoft.com/office/drawing/2010/main" val="0"/>
-              </a:ext>
-            </a:extLst>
-          </a:blip>
-          <a:stretch>
-            <a:fillRect/>
-          </a:stretch>
-        </p:blipFill>
-        <p:spPr>
-          <a:xfrm>
-            <a:off x="1711099" y="1912036"/>
-            <a:ext cx="8769801" cy="4178515"/>
-          </a:xfrm>
-        </p:spPr>
-      </p:pic>
       <p:sp>
         <p:nvSpPr>
           <p:cNvPr id="4" name="מציין מיקום של תאריך 3">
             <a:extLst>
               <a:ext uri="{FF2B5EF4-FFF2-40B4-BE49-F238E27FC236}">
-                <a16:creationId xmlns:a16="http://schemas.microsoft.com/office/drawing/2014/main" id="{AD6A681D-F4C0-490E-B2DD-34BF173F392A}"/>
+                <a16:creationId xmlns:a16="http://schemas.microsoft.com/office/drawing/2014/main" id="{52DCD12D-6DB1-49E2-AEA4-ACF5B5BF6E96}"/>
               </a:ext>
             </a:extLst>
           </p:cNvPr>
@@ -4364,7 +4401,7 @@
         </p:nvSpPr>
         <p:spPr>
           <a:xfrm>
-            <a:off x="8610600" y="365125"/>
+            <a:off x="8610600" y="489596"/>
             <a:ext cx="2743200" cy="365125"/>
           </a:xfrm>
         </p:spPr>
@@ -4382,7 +4419,7 @@
     </p:spTree>
     <p:extLst>
       <p:ext uri="{BB962C8B-B14F-4D97-AF65-F5344CB8AC3E}">
-        <p14:creationId xmlns:p14="http://schemas.microsoft.com/office/powerpoint/2010/main" val="1039253759"/>
+        <p14:creationId xmlns:p14="http://schemas.microsoft.com/office/powerpoint/2010/main" val="2753062504"/>
       </p:ext>
     </p:extLst>
   </p:cSld>
@@ -4414,7 +4451,7 @@
           <p:cNvPr id="2" name="כותרת 1">
             <a:extLst>
               <a:ext uri="{FF2B5EF4-FFF2-40B4-BE49-F238E27FC236}">
-                <a16:creationId xmlns:a16="http://schemas.microsoft.com/office/drawing/2014/main" id="{308778D4-907B-4077-A62A-5E016E951A8F}"/>
+                <a16:creationId xmlns:a16="http://schemas.microsoft.com/office/drawing/2014/main" id="{3E9EB542-1210-4EAC-AA8E-8669ECA62011}"/>
               </a:ext>
             </a:extLst>
           </p:cNvPr>
@@ -4430,7 +4467,10 @@
           <a:bodyPr/>
           <a:lstStyle/>
           <a:p>
-            <a:endParaRPr lang="he-IL"/>
+            <a:r>
+              <a:rPr lang="he-IL" dirty="0"/>
+              <a:t>התחברות</a:t>
+            </a:r>
           </a:p>
         </p:txBody>
       </p:sp>
@@ -4439,7 +4479,7 @@
           <p:cNvPr id="6" name="מציין מיקום תוכן 5">
             <a:extLst>
               <a:ext uri="{FF2B5EF4-FFF2-40B4-BE49-F238E27FC236}">
-                <a16:creationId xmlns:a16="http://schemas.microsoft.com/office/drawing/2014/main" id="{EFE211FA-F7E9-488C-822B-E82D7BEED085}"/>
+                <a16:creationId xmlns:a16="http://schemas.microsoft.com/office/drawing/2014/main" id="{246A52C8-A47A-4131-A033-93983980F71B}"/>
               </a:ext>
             </a:extLst>
           </p:cNvPr>
@@ -4464,8 +4504,8 @@
         </p:blipFill>
         <p:spPr>
           <a:xfrm>
-            <a:off x="1711099" y="2045393"/>
-            <a:ext cx="8769801" cy="3911801"/>
+            <a:off x="4881885" y="1772358"/>
+            <a:ext cx="2428229" cy="4351338"/>
           </a:xfrm>
         </p:spPr>
       </p:pic>
@@ -4474,7 +4514,7 @@
           <p:cNvPr id="4" name="מציין מיקום של תאריך 3">
             <a:extLst>
               <a:ext uri="{FF2B5EF4-FFF2-40B4-BE49-F238E27FC236}">
-                <a16:creationId xmlns:a16="http://schemas.microsoft.com/office/drawing/2014/main" id="{0A1F7D28-A39D-47D2-B455-E3138375E5DA}"/>
+                <a16:creationId xmlns:a16="http://schemas.microsoft.com/office/drawing/2014/main" id="{F36B6197-3CE8-4C2E-A468-341C3598B506}"/>
               </a:ext>
             </a:extLst>
           </p:cNvPr>
@@ -4496,7 +4536,7 @@
           <a:lstStyle/>
           <a:p>
             <a:r>
-              <a:rPr lang="he-IL" dirty="0"/>
+              <a:rPr lang="he-IL"/>
               <a:t>בס"ד</a:t>
             </a:r>
           </a:p>
@@ -4505,7 +4545,7 @@
     </p:spTree>
     <p:extLst>
       <p:ext uri="{BB962C8B-B14F-4D97-AF65-F5344CB8AC3E}">
-        <p14:creationId xmlns:p14="http://schemas.microsoft.com/office/powerpoint/2010/main" val="914275699"/>
+        <p14:creationId xmlns:p14="http://schemas.microsoft.com/office/powerpoint/2010/main" val="3494330500"/>
       </p:ext>
     </p:extLst>
   </p:cSld>
@@ -4537,7 +4577,7 @@
           <p:cNvPr id="2" name="כותרת 1">
             <a:extLst>
               <a:ext uri="{FF2B5EF4-FFF2-40B4-BE49-F238E27FC236}">
-                <a16:creationId xmlns:a16="http://schemas.microsoft.com/office/drawing/2014/main" id="{E892D1CA-3639-4528-AD17-6A167534B2F0}"/>
+                <a16:creationId xmlns:a16="http://schemas.microsoft.com/office/drawing/2014/main" id="{A13CEC3C-1C75-4D6C-ADF8-FDB003CB1B74}"/>
               </a:ext>
             </a:extLst>
           </p:cNvPr>
@@ -4553,7 +4593,10 @@
           <a:bodyPr/>
           <a:lstStyle/>
           <a:p>
-            <a:endParaRPr lang="he-IL"/>
+            <a:r>
+              <a:rPr lang="he-IL" dirty="0"/>
+              <a:t>מסך חיפוש</a:t>
+            </a:r>
           </a:p>
         </p:txBody>
       </p:sp>
@@ -4562,7 +4605,7 @@
           <p:cNvPr id="6" name="מציין מיקום תוכן 5">
             <a:extLst>
               <a:ext uri="{FF2B5EF4-FFF2-40B4-BE49-F238E27FC236}">
-                <a16:creationId xmlns:a16="http://schemas.microsoft.com/office/drawing/2014/main" id="{51496A71-7033-4783-9C3A-AD770D139F3A}"/>
+                <a16:creationId xmlns:a16="http://schemas.microsoft.com/office/drawing/2014/main" id="{2042B621-6B65-4D32-BF36-C81A4F75934A}"/>
               </a:ext>
             </a:extLst>
           </p:cNvPr>
@@ -4587,8 +4630,8 @@
         </p:blipFill>
         <p:spPr>
           <a:xfrm>
-            <a:off x="1768252" y="2502617"/>
-            <a:ext cx="8655495" cy="2997354"/>
+            <a:off x="4953254" y="1825625"/>
+            <a:ext cx="2285491" cy="4351338"/>
           </a:xfrm>
         </p:spPr>
       </p:pic>
@@ -4597,7 +4640,7 @@
           <p:cNvPr id="4" name="מציין מיקום של תאריך 3">
             <a:extLst>
               <a:ext uri="{FF2B5EF4-FFF2-40B4-BE49-F238E27FC236}">
-                <a16:creationId xmlns:a16="http://schemas.microsoft.com/office/drawing/2014/main" id="{3D6FBC32-1866-49CD-B783-10119E370985}"/>
+                <a16:creationId xmlns:a16="http://schemas.microsoft.com/office/drawing/2014/main" id="{DD28C7B0-5D9A-4182-B950-FE5638821F39}"/>
               </a:ext>
             </a:extLst>
           </p:cNvPr>
@@ -4628,7 +4671,7 @@
     </p:spTree>
     <p:extLst>
       <p:ext uri="{BB962C8B-B14F-4D97-AF65-F5344CB8AC3E}">
-        <p14:creationId xmlns:p14="http://schemas.microsoft.com/office/powerpoint/2010/main" val="206774896"/>
+        <p14:creationId xmlns:p14="http://schemas.microsoft.com/office/powerpoint/2010/main" val="3048026786"/>
       </p:ext>
     </p:extLst>
   </p:cSld>
@@ -4660,7 +4703,7 @@
           <p:cNvPr id="2" name="כותרת 1">
             <a:extLst>
               <a:ext uri="{FF2B5EF4-FFF2-40B4-BE49-F238E27FC236}">
-                <a16:creationId xmlns:a16="http://schemas.microsoft.com/office/drawing/2014/main" id="{FCCF9D9D-817C-4548-86E9-B8D04E798EB8}"/>
+                <a16:creationId xmlns:a16="http://schemas.microsoft.com/office/drawing/2014/main" id="{D4FD6655-CE2F-41DF-BFC6-D4B76AD48969}"/>
               </a:ext>
             </a:extLst>
           </p:cNvPr>
@@ -4685,7 +4728,7 @@
           <p:cNvPr id="6" name="מציין מיקום תוכן 5">
             <a:extLst>
               <a:ext uri="{FF2B5EF4-FFF2-40B4-BE49-F238E27FC236}">
-                <a16:creationId xmlns:a16="http://schemas.microsoft.com/office/drawing/2014/main" id="{36B2693F-A80B-4AD3-A80B-AF907EDF3BE0}"/>
+                <a16:creationId xmlns:a16="http://schemas.microsoft.com/office/drawing/2014/main" id="{67D91A47-B35D-4E7D-AD18-3803B956583A}"/>
               </a:ext>
             </a:extLst>
           </p:cNvPr>
@@ -4710,8 +4753,8 @@
         </p:blipFill>
         <p:spPr>
           <a:xfrm>
-            <a:off x="1853982" y="2200976"/>
-            <a:ext cx="9163746" cy="3889105"/>
+            <a:off x="4946984" y="1825625"/>
+            <a:ext cx="2298032" cy="4351338"/>
           </a:xfrm>
         </p:spPr>
       </p:pic>
@@ -4720,7 +4763,7 @@
           <p:cNvPr id="4" name="מציין מיקום של תאריך 3">
             <a:extLst>
               <a:ext uri="{FF2B5EF4-FFF2-40B4-BE49-F238E27FC236}">
-                <a16:creationId xmlns:a16="http://schemas.microsoft.com/office/drawing/2014/main" id="{CF2E3FBE-1411-4F6B-81DF-114FA636AB3F}"/>
+                <a16:creationId xmlns:a16="http://schemas.microsoft.com/office/drawing/2014/main" id="{D991732A-26B5-4B9D-8DA7-C8D8DF8B02ED}"/>
               </a:ext>
             </a:extLst>
           </p:cNvPr>
@@ -4751,7 +4794,514 @@
     </p:spTree>
     <p:extLst>
       <p:ext uri="{BB962C8B-B14F-4D97-AF65-F5344CB8AC3E}">
-        <p14:creationId xmlns:p14="http://schemas.microsoft.com/office/powerpoint/2010/main" val="536972207"/>
+        <p14:creationId xmlns:p14="http://schemas.microsoft.com/office/powerpoint/2010/main" val="1678213208"/>
+      </p:ext>
+    </p:extLst>
+  </p:cSld>
+  <p:clrMapOvr>
+    <a:masterClrMapping/>
+  </p:clrMapOvr>
+</p:sld>
+</file>
+
+<file path=ppt/slides/slide16.xml><?xml version="1.0" encoding="utf-8"?>
+<p:sld xmlns:a="http://schemas.openxmlformats.org/drawingml/2006/main" xmlns:r="http://schemas.openxmlformats.org/officeDocument/2006/relationships" xmlns:p="http://schemas.openxmlformats.org/presentationml/2006/main">
+  <p:cSld>
+    <p:spTree>
+      <p:nvGrpSpPr>
+        <p:cNvPr id="1" name=""/>
+        <p:cNvGrpSpPr/>
+        <p:nvPr/>
+      </p:nvGrpSpPr>
+      <p:grpSpPr>
+        <a:xfrm>
+          <a:off x="0" y="0"/>
+          <a:ext cx="0" cy="0"/>
+          <a:chOff x="0" y="0"/>
+          <a:chExt cx="0" cy="0"/>
+        </a:xfrm>
+      </p:grpSpPr>
+      <p:sp>
+        <p:nvSpPr>
+          <p:cNvPr id="2" name="כותרת 1">
+            <a:extLst>
+              <a:ext uri="{FF2B5EF4-FFF2-40B4-BE49-F238E27FC236}">
+                <a16:creationId xmlns:a16="http://schemas.microsoft.com/office/drawing/2014/main" id="{3F9465BB-C68D-4279-A6A4-0C7D7BC58B45}"/>
+              </a:ext>
+            </a:extLst>
+          </p:cNvPr>
+          <p:cNvSpPr>
+            <a:spLocks noGrp="1"/>
+          </p:cNvSpPr>
+          <p:nvPr>
+            <p:ph type="title"/>
+          </p:nvPr>
+        </p:nvSpPr>
+        <p:spPr/>
+        <p:txBody>
+          <a:bodyPr/>
+          <a:lstStyle/>
+          <a:p>
+            <a:r>
+              <a:rPr lang="he-IL" dirty="0"/>
+              <a:t>מסך חיפוש</a:t>
+            </a:r>
+          </a:p>
+        </p:txBody>
+      </p:sp>
+      <p:pic>
+        <p:nvPicPr>
+          <p:cNvPr id="6" name="מציין מיקום תוכן 5">
+            <a:extLst>
+              <a:ext uri="{FF2B5EF4-FFF2-40B4-BE49-F238E27FC236}">
+                <a16:creationId xmlns:a16="http://schemas.microsoft.com/office/drawing/2014/main" id="{F60A8E03-F798-4443-AAF9-B24DC074B80A}"/>
+              </a:ext>
+            </a:extLst>
+          </p:cNvPr>
+          <p:cNvPicPr>
+            <a:picLocks noGrp="1" noChangeAspect="1"/>
+          </p:cNvPicPr>
+          <p:nvPr>
+            <p:ph idx="1"/>
+          </p:nvPr>
+        </p:nvPicPr>
+        <p:blipFill>
+          <a:blip r:embed="rId2">
+            <a:extLst>
+              <a:ext uri="{28A0092B-C50C-407E-A947-70E740481C1C}">
+                <a14:useLocalDpi xmlns:a14="http://schemas.microsoft.com/office/drawing/2010/main" val="0"/>
+              </a:ext>
+            </a:extLst>
+          </a:blip>
+          <a:stretch>
+            <a:fillRect/>
+          </a:stretch>
+        </p:blipFill>
+        <p:spPr>
+          <a:xfrm>
+            <a:off x="4928860" y="1825625"/>
+            <a:ext cx="2334280" cy="4351338"/>
+          </a:xfrm>
+        </p:spPr>
+      </p:pic>
+      <p:sp>
+        <p:nvSpPr>
+          <p:cNvPr id="4" name="מציין מיקום של תאריך 3">
+            <a:extLst>
+              <a:ext uri="{FF2B5EF4-FFF2-40B4-BE49-F238E27FC236}">
+                <a16:creationId xmlns:a16="http://schemas.microsoft.com/office/drawing/2014/main" id="{6FE814E8-CC86-4D73-AC80-A8B140D1F0D8}"/>
+              </a:ext>
+            </a:extLst>
+          </p:cNvPr>
+          <p:cNvSpPr>
+            <a:spLocks noGrp="1"/>
+          </p:cNvSpPr>
+          <p:nvPr>
+            <p:ph type="dt" sz="half" idx="10"/>
+          </p:nvPr>
+        </p:nvSpPr>
+        <p:spPr>
+          <a:xfrm>
+            <a:off x="8610600" y="365125"/>
+            <a:ext cx="2743200" cy="365125"/>
+          </a:xfrm>
+        </p:spPr>
+        <p:txBody>
+          <a:bodyPr/>
+          <a:lstStyle/>
+          <a:p>
+            <a:r>
+              <a:rPr lang="he-IL" dirty="0"/>
+              <a:t>בס"ד</a:t>
+            </a:r>
+          </a:p>
+        </p:txBody>
+      </p:sp>
+    </p:spTree>
+    <p:extLst>
+      <p:ext uri="{BB962C8B-B14F-4D97-AF65-F5344CB8AC3E}">
+        <p14:creationId xmlns:p14="http://schemas.microsoft.com/office/powerpoint/2010/main" val="384240395"/>
+      </p:ext>
+    </p:extLst>
+  </p:cSld>
+  <p:clrMapOvr>
+    <a:masterClrMapping/>
+  </p:clrMapOvr>
+</p:sld>
+</file>
+
+<file path=ppt/slides/slide17.xml><?xml version="1.0" encoding="utf-8"?>
+<p:sld xmlns:a="http://schemas.openxmlformats.org/drawingml/2006/main" xmlns:r="http://schemas.openxmlformats.org/officeDocument/2006/relationships" xmlns:p="http://schemas.openxmlformats.org/presentationml/2006/main">
+  <p:cSld>
+    <p:spTree>
+      <p:nvGrpSpPr>
+        <p:cNvPr id="1" name=""/>
+        <p:cNvGrpSpPr/>
+        <p:nvPr/>
+      </p:nvGrpSpPr>
+      <p:grpSpPr>
+        <a:xfrm>
+          <a:off x="0" y="0"/>
+          <a:ext cx="0" cy="0"/>
+          <a:chOff x="0" y="0"/>
+          <a:chExt cx="0" cy="0"/>
+        </a:xfrm>
+      </p:grpSpPr>
+      <p:sp>
+        <p:nvSpPr>
+          <p:cNvPr id="2" name="כותרת 1">
+            <a:extLst>
+              <a:ext uri="{FF2B5EF4-FFF2-40B4-BE49-F238E27FC236}">
+                <a16:creationId xmlns:a16="http://schemas.microsoft.com/office/drawing/2014/main" id="{E107236E-982A-4B41-9C65-2FACE699452A}"/>
+              </a:ext>
+            </a:extLst>
+          </p:cNvPr>
+          <p:cNvSpPr>
+            <a:spLocks noGrp="1"/>
+          </p:cNvSpPr>
+          <p:nvPr>
+            <p:ph type="title"/>
+          </p:nvPr>
+        </p:nvSpPr>
+        <p:spPr/>
+        <p:txBody>
+          <a:bodyPr/>
+          <a:lstStyle/>
+          <a:p>
+            <a:r>
+              <a:rPr lang="he-IL" dirty="0"/>
+              <a:t>תוצאת החיפוש</a:t>
+            </a:r>
+          </a:p>
+        </p:txBody>
+      </p:sp>
+      <p:sp>
+        <p:nvSpPr>
+          <p:cNvPr id="4" name="מציין מיקום של תאריך 3">
+            <a:extLst>
+              <a:ext uri="{FF2B5EF4-FFF2-40B4-BE49-F238E27FC236}">
+                <a16:creationId xmlns:a16="http://schemas.microsoft.com/office/drawing/2014/main" id="{3CAD3A8F-9659-496D-B77D-AF9146DF327C}"/>
+              </a:ext>
+            </a:extLst>
+          </p:cNvPr>
+          <p:cNvSpPr>
+            <a:spLocks noGrp="1"/>
+          </p:cNvSpPr>
+          <p:nvPr>
+            <p:ph type="dt" sz="half" idx="10"/>
+          </p:nvPr>
+        </p:nvSpPr>
+        <p:spPr>
+          <a:xfrm>
+            <a:off x="8610600" y="365125"/>
+            <a:ext cx="2743200" cy="365125"/>
+          </a:xfrm>
+        </p:spPr>
+        <p:txBody>
+          <a:bodyPr/>
+          <a:lstStyle/>
+          <a:p>
+            <a:r>
+              <a:rPr lang="he-IL" dirty="0"/>
+              <a:t>בס"ד</a:t>
+            </a:r>
+          </a:p>
+        </p:txBody>
+      </p:sp>
+      <p:pic>
+        <p:nvPicPr>
+          <p:cNvPr id="10" name="מציין מיקום תוכן 9">
+            <a:extLst>
+              <a:ext uri="{FF2B5EF4-FFF2-40B4-BE49-F238E27FC236}">
+                <a16:creationId xmlns:a16="http://schemas.microsoft.com/office/drawing/2014/main" id="{BF55326A-5C29-4B5D-8185-9CF3E77AAA17}"/>
+              </a:ext>
+            </a:extLst>
+          </p:cNvPr>
+          <p:cNvPicPr>
+            <a:picLocks noGrp="1" noChangeAspect="1"/>
+          </p:cNvPicPr>
+          <p:nvPr>
+            <p:ph idx="1"/>
+          </p:nvPr>
+        </p:nvPicPr>
+        <p:blipFill>
+          <a:blip r:embed="rId2">
+            <a:extLst>
+              <a:ext uri="{28A0092B-C50C-407E-A947-70E740481C1C}">
+                <a14:useLocalDpi xmlns:a14="http://schemas.microsoft.com/office/drawing/2010/main" val="0"/>
+              </a:ext>
+            </a:extLst>
+          </a:blip>
+          <a:stretch>
+            <a:fillRect/>
+          </a:stretch>
+        </p:blipFill>
+        <p:spPr>
+          <a:xfrm>
+            <a:off x="4909547" y="1456262"/>
+            <a:ext cx="2574329" cy="4720701"/>
+          </a:xfrm>
+        </p:spPr>
+      </p:pic>
+    </p:spTree>
+    <p:extLst>
+      <p:ext uri="{BB962C8B-B14F-4D97-AF65-F5344CB8AC3E}">
+        <p14:creationId xmlns:p14="http://schemas.microsoft.com/office/powerpoint/2010/main" val="3436823325"/>
+      </p:ext>
+    </p:extLst>
+  </p:cSld>
+  <p:clrMapOvr>
+    <a:masterClrMapping/>
+  </p:clrMapOvr>
+</p:sld>
+</file>
+
+<file path=ppt/slides/slide18.xml><?xml version="1.0" encoding="utf-8"?>
+<p:sld xmlns:a="http://schemas.openxmlformats.org/drawingml/2006/main" xmlns:r="http://schemas.openxmlformats.org/officeDocument/2006/relationships" xmlns:p="http://schemas.openxmlformats.org/presentationml/2006/main">
+  <p:cSld>
+    <p:spTree>
+      <p:nvGrpSpPr>
+        <p:cNvPr id="1" name=""/>
+        <p:cNvGrpSpPr/>
+        <p:nvPr/>
+      </p:nvGrpSpPr>
+      <p:grpSpPr>
+        <a:xfrm>
+          <a:off x="0" y="0"/>
+          <a:ext cx="0" cy="0"/>
+          <a:chOff x="0" y="0"/>
+          <a:chExt cx="0" cy="0"/>
+        </a:xfrm>
+      </p:grpSpPr>
+      <p:sp>
+        <p:nvSpPr>
+          <p:cNvPr id="2" name="כותרת 1">
+            <a:extLst>
+              <a:ext uri="{FF2B5EF4-FFF2-40B4-BE49-F238E27FC236}">
+                <a16:creationId xmlns:a16="http://schemas.microsoft.com/office/drawing/2014/main" id="{AFF0C61F-4398-470D-B7B5-967FD8D8E6B7}"/>
+              </a:ext>
+            </a:extLst>
+          </p:cNvPr>
+          <p:cNvSpPr>
+            <a:spLocks noGrp="1"/>
+          </p:cNvSpPr>
+          <p:nvPr>
+            <p:ph type="title"/>
+          </p:nvPr>
+        </p:nvSpPr>
+        <p:spPr/>
+        <p:txBody>
+          <a:bodyPr/>
+          <a:lstStyle/>
+          <a:p>
+            <a:r>
+              <a:rPr lang="he-IL" dirty="0"/>
+              <a:t>הורדה</a:t>
+            </a:r>
+          </a:p>
+        </p:txBody>
+      </p:sp>
+      <p:pic>
+        <p:nvPicPr>
+          <p:cNvPr id="6" name="מציין מיקום תוכן 5">
+            <a:extLst>
+              <a:ext uri="{FF2B5EF4-FFF2-40B4-BE49-F238E27FC236}">
+                <a16:creationId xmlns:a16="http://schemas.microsoft.com/office/drawing/2014/main" id="{46DADA49-AF4F-4A16-BAB0-DA52AC4D9692}"/>
+              </a:ext>
+            </a:extLst>
+          </p:cNvPr>
+          <p:cNvPicPr>
+            <a:picLocks noGrp="1" noChangeAspect="1"/>
+          </p:cNvPicPr>
+          <p:nvPr>
+            <p:ph idx="1"/>
+          </p:nvPr>
+        </p:nvPicPr>
+        <p:blipFill>
+          <a:blip r:embed="rId2">
+            <a:extLst>
+              <a:ext uri="{28A0092B-C50C-407E-A947-70E740481C1C}">
+                <a14:useLocalDpi xmlns:a14="http://schemas.microsoft.com/office/drawing/2010/main" val="0"/>
+              </a:ext>
+            </a:extLst>
+          </a:blip>
+          <a:stretch>
+            <a:fillRect/>
+          </a:stretch>
+        </p:blipFill>
+        <p:spPr>
+          <a:xfrm>
+            <a:off x="4925866" y="1453782"/>
+            <a:ext cx="2540253" cy="4723181"/>
+          </a:xfrm>
+        </p:spPr>
+      </p:pic>
+      <p:sp>
+        <p:nvSpPr>
+          <p:cNvPr id="4" name="מציין מיקום של תאריך 3">
+            <a:extLst>
+              <a:ext uri="{FF2B5EF4-FFF2-40B4-BE49-F238E27FC236}">
+                <a16:creationId xmlns:a16="http://schemas.microsoft.com/office/drawing/2014/main" id="{1C0EA369-3ED7-4E11-8CAC-1D277DE2E5DF}"/>
+              </a:ext>
+            </a:extLst>
+          </p:cNvPr>
+          <p:cNvSpPr>
+            <a:spLocks noGrp="1"/>
+          </p:cNvSpPr>
+          <p:nvPr>
+            <p:ph type="dt" sz="half" idx="10"/>
+          </p:nvPr>
+        </p:nvSpPr>
+        <p:spPr>
+          <a:xfrm>
+            <a:off x="8610600" y="365125"/>
+            <a:ext cx="2743200" cy="365125"/>
+          </a:xfrm>
+        </p:spPr>
+        <p:txBody>
+          <a:bodyPr/>
+          <a:lstStyle/>
+          <a:p>
+            <a:r>
+              <a:rPr lang="he-IL" dirty="0"/>
+              <a:t>בס"ד</a:t>
+            </a:r>
+          </a:p>
+        </p:txBody>
+      </p:sp>
+    </p:spTree>
+    <p:extLst>
+      <p:ext uri="{BB962C8B-B14F-4D97-AF65-F5344CB8AC3E}">
+        <p14:creationId xmlns:p14="http://schemas.microsoft.com/office/powerpoint/2010/main" val="332427791"/>
+      </p:ext>
+    </p:extLst>
+  </p:cSld>
+  <p:clrMapOvr>
+    <a:masterClrMapping/>
+  </p:clrMapOvr>
+</p:sld>
+</file>
+
+<file path=ppt/slides/slide19.xml><?xml version="1.0" encoding="utf-8"?>
+<p:sld xmlns:a="http://schemas.openxmlformats.org/drawingml/2006/main" xmlns:r="http://schemas.openxmlformats.org/officeDocument/2006/relationships" xmlns:p="http://schemas.openxmlformats.org/presentationml/2006/main">
+  <p:cSld>
+    <p:spTree>
+      <p:nvGrpSpPr>
+        <p:cNvPr id="1" name=""/>
+        <p:cNvGrpSpPr/>
+        <p:nvPr/>
+      </p:nvGrpSpPr>
+      <p:grpSpPr>
+        <a:xfrm>
+          <a:off x="0" y="0"/>
+          <a:ext cx="0" cy="0"/>
+          <a:chOff x="0" y="0"/>
+          <a:chExt cx="0" cy="0"/>
+        </a:xfrm>
+      </p:grpSpPr>
+      <p:sp>
+        <p:nvSpPr>
+          <p:cNvPr id="2" name="כותרת 1">
+            <a:extLst>
+              <a:ext uri="{FF2B5EF4-FFF2-40B4-BE49-F238E27FC236}">
+                <a16:creationId xmlns:a16="http://schemas.microsoft.com/office/drawing/2014/main" id="{0D336C4D-B0B2-4009-830F-552413EB200F}"/>
+              </a:ext>
+            </a:extLst>
+          </p:cNvPr>
+          <p:cNvSpPr>
+            <a:spLocks noGrp="1"/>
+          </p:cNvSpPr>
+          <p:nvPr>
+            <p:ph type="title"/>
+          </p:nvPr>
+        </p:nvSpPr>
+        <p:spPr/>
+        <p:txBody>
+          <a:bodyPr/>
+          <a:lstStyle/>
+          <a:p>
+            <a:r>
+              <a:rPr lang="he-IL" dirty="0"/>
+              <a:t>העלאת סיכום</a:t>
+            </a:r>
+          </a:p>
+        </p:txBody>
+      </p:sp>
+      <p:sp>
+        <p:nvSpPr>
+          <p:cNvPr id="4" name="מציין מיקום של תאריך 3">
+            <a:extLst>
+              <a:ext uri="{FF2B5EF4-FFF2-40B4-BE49-F238E27FC236}">
+                <a16:creationId xmlns:a16="http://schemas.microsoft.com/office/drawing/2014/main" id="{36004C75-55A1-4693-B4BF-A26A1EEE0A38}"/>
+              </a:ext>
+            </a:extLst>
+          </p:cNvPr>
+          <p:cNvSpPr>
+            <a:spLocks noGrp="1"/>
+          </p:cNvSpPr>
+          <p:nvPr>
+            <p:ph type="dt" sz="half" idx="10"/>
+          </p:nvPr>
+        </p:nvSpPr>
+        <p:spPr>
+          <a:xfrm>
+            <a:off x="8610600" y="365125"/>
+            <a:ext cx="2743200" cy="365125"/>
+          </a:xfrm>
+        </p:spPr>
+        <p:txBody>
+          <a:bodyPr/>
+          <a:lstStyle/>
+          <a:p>
+            <a:r>
+              <a:rPr lang="he-IL" dirty="0"/>
+              <a:t>בס"ד</a:t>
+            </a:r>
+          </a:p>
+        </p:txBody>
+      </p:sp>
+      <p:pic>
+        <p:nvPicPr>
+          <p:cNvPr id="5" name="מציין מיקום תוכן 4">
+            <a:extLst>
+              <a:ext uri="{FF2B5EF4-FFF2-40B4-BE49-F238E27FC236}">
+                <a16:creationId xmlns:a16="http://schemas.microsoft.com/office/drawing/2014/main" id="{D1CB3CD5-6783-43C3-93B6-A88B6569D4D0}"/>
+              </a:ext>
+            </a:extLst>
+          </p:cNvPr>
+          <p:cNvPicPr>
+            <a:picLocks noGrp="1" noChangeAspect="1"/>
+          </p:cNvPicPr>
+          <p:nvPr>
+            <p:ph idx="1"/>
+          </p:nvPr>
+        </p:nvPicPr>
+        <p:blipFill>
+          <a:blip r:embed="rId2">
+            <a:extLst>
+              <a:ext uri="{28A0092B-C50C-407E-A947-70E740481C1C}">
+                <a14:useLocalDpi xmlns:a14="http://schemas.microsoft.com/office/drawing/2010/main" val="0"/>
+              </a:ext>
+            </a:extLst>
+          </a:blip>
+          <a:stretch>
+            <a:fillRect/>
+          </a:stretch>
+        </p:blipFill>
+        <p:spPr>
+          <a:xfrm>
+            <a:off x="4943008" y="1281890"/>
+            <a:ext cx="2594133" cy="4895073"/>
+          </a:xfrm>
+          <a:prstGeom prst="rect">
+            <a:avLst/>
+          </a:prstGeom>
+        </p:spPr>
+      </p:pic>
+    </p:spTree>
+    <p:extLst>
+      <p:ext uri="{BB962C8B-B14F-4D97-AF65-F5344CB8AC3E}">
+        <p14:creationId xmlns:p14="http://schemas.microsoft.com/office/powerpoint/2010/main" val="3130670240"/>
       </p:ext>
     </p:extLst>
   </p:cSld>
@@ -4901,6 +5451,1473 @@
 </p:sld>
 </file>
 
+<file path=ppt/slides/slide20.xml><?xml version="1.0" encoding="utf-8"?>
+<p:sld xmlns:a="http://schemas.openxmlformats.org/drawingml/2006/main" xmlns:r="http://schemas.openxmlformats.org/officeDocument/2006/relationships" xmlns:p="http://schemas.openxmlformats.org/presentationml/2006/main">
+  <p:cSld>
+    <p:spTree>
+      <p:nvGrpSpPr>
+        <p:cNvPr id="1" name=""/>
+        <p:cNvGrpSpPr/>
+        <p:nvPr/>
+      </p:nvGrpSpPr>
+      <p:grpSpPr>
+        <a:xfrm>
+          <a:off x="0" y="0"/>
+          <a:ext cx="0" cy="0"/>
+          <a:chOff x="0" y="0"/>
+          <a:chExt cx="0" cy="0"/>
+        </a:xfrm>
+      </p:grpSpPr>
+      <p:sp>
+        <p:nvSpPr>
+          <p:cNvPr id="2" name="כותרת 1">
+            <a:extLst>
+              <a:ext uri="{FF2B5EF4-FFF2-40B4-BE49-F238E27FC236}">
+                <a16:creationId xmlns:a16="http://schemas.microsoft.com/office/drawing/2014/main" id="{E12EA596-715F-4133-8610-9BE1DBDB954D}"/>
+              </a:ext>
+            </a:extLst>
+          </p:cNvPr>
+          <p:cNvSpPr>
+            <a:spLocks noGrp="1"/>
+          </p:cNvSpPr>
+          <p:nvPr>
+            <p:ph type="title"/>
+          </p:nvPr>
+        </p:nvSpPr>
+        <p:spPr/>
+        <p:txBody>
+          <a:bodyPr/>
+          <a:lstStyle/>
+          <a:p>
+            <a:r>
+              <a:rPr lang="he-IL" dirty="0"/>
+              <a:t>הסיכומים שלי</a:t>
+            </a:r>
+          </a:p>
+        </p:txBody>
+      </p:sp>
+      <p:pic>
+        <p:nvPicPr>
+          <p:cNvPr id="6" name="מציין מיקום תוכן 5">
+            <a:extLst>
+              <a:ext uri="{FF2B5EF4-FFF2-40B4-BE49-F238E27FC236}">
+                <a16:creationId xmlns:a16="http://schemas.microsoft.com/office/drawing/2014/main" id="{1DE991B6-BCC7-4314-8367-529A002E0682}"/>
+              </a:ext>
+            </a:extLst>
+          </p:cNvPr>
+          <p:cNvPicPr>
+            <a:picLocks noGrp="1" noChangeAspect="1"/>
+          </p:cNvPicPr>
+          <p:nvPr>
+            <p:ph idx="1"/>
+          </p:nvPr>
+        </p:nvPicPr>
+        <p:blipFill>
+          <a:blip r:embed="rId2">
+            <a:extLst>
+              <a:ext uri="{28A0092B-C50C-407E-A947-70E740481C1C}">
+                <a14:useLocalDpi xmlns:a14="http://schemas.microsoft.com/office/drawing/2010/main" val="0"/>
+              </a:ext>
+            </a:extLst>
+          </a:blip>
+          <a:stretch>
+            <a:fillRect/>
+          </a:stretch>
+        </p:blipFill>
+        <p:spPr>
+          <a:xfrm>
+            <a:off x="4920128" y="1443252"/>
+            <a:ext cx="2732423" cy="5133206"/>
+          </a:xfrm>
+        </p:spPr>
+      </p:pic>
+      <p:sp>
+        <p:nvSpPr>
+          <p:cNvPr id="4" name="מציין מיקום של תאריך 3">
+            <a:extLst>
+              <a:ext uri="{FF2B5EF4-FFF2-40B4-BE49-F238E27FC236}">
+                <a16:creationId xmlns:a16="http://schemas.microsoft.com/office/drawing/2014/main" id="{DEC31A4E-4DDB-4443-A5EE-8147C583C86F}"/>
+              </a:ext>
+            </a:extLst>
+          </p:cNvPr>
+          <p:cNvSpPr>
+            <a:spLocks noGrp="1"/>
+          </p:cNvSpPr>
+          <p:nvPr>
+            <p:ph type="dt" sz="half" idx="10"/>
+          </p:nvPr>
+        </p:nvSpPr>
+        <p:spPr>
+          <a:xfrm>
+            <a:off x="8610600" y="365125"/>
+            <a:ext cx="2743200" cy="365125"/>
+          </a:xfrm>
+        </p:spPr>
+        <p:txBody>
+          <a:bodyPr/>
+          <a:lstStyle/>
+          <a:p>
+            <a:r>
+              <a:rPr lang="he-IL" dirty="0"/>
+              <a:t>בס"ד</a:t>
+            </a:r>
+          </a:p>
+        </p:txBody>
+      </p:sp>
+    </p:spTree>
+    <p:extLst>
+      <p:ext uri="{BB962C8B-B14F-4D97-AF65-F5344CB8AC3E}">
+        <p14:creationId xmlns:p14="http://schemas.microsoft.com/office/powerpoint/2010/main" val="386660772"/>
+      </p:ext>
+    </p:extLst>
+  </p:cSld>
+  <p:clrMapOvr>
+    <a:masterClrMapping/>
+  </p:clrMapOvr>
+</p:sld>
+</file>
+
+<file path=ppt/slides/slide21.xml><?xml version="1.0" encoding="utf-8"?>
+<p:sld xmlns:a="http://schemas.openxmlformats.org/drawingml/2006/main" xmlns:r="http://schemas.openxmlformats.org/officeDocument/2006/relationships" xmlns:p="http://schemas.openxmlformats.org/presentationml/2006/main">
+  <p:cSld>
+    <p:spTree>
+      <p:nvGrpSpPr>
+        <p:cNvPr id="1" name=""/>
+        <p:cNvGrpSpPr/>
+        <p:nvPr/>
+      </p:nvGrpSpPr>
+      <p:grpSpPr>
+        <a:xfrm>
+          <a:off x="0" y="0"/>
+          <a:ext cx="0" cy="0"/>
+          <a:chOff x="0" y="0"/>
+          <a:chExt cx="0" cy="0"/>
+        </a:xfrm>
+      </p:grpSpPr>
+      <p:sp>
+        <p:nvSpPr>
+          <p:cNvPr id="2" name="כותרת 1">
+            <a:extLst>
+              <a:ext uri="{FF2B5EF4-FFF2-40B4-BE49-F238E27FC236}">
+                <a16:creationId xmlns:a16="http://schemas.microsoft.com/office/drawing/2014/main" id="{6ACCD189-438E-49BB-A72F-07A8DC9E5589}"/>
+              </a:ext>
+            </a:extLst>
+          </p:cNvPr>
+          <p:cNvSpPr>
+            <a:spLocks noGrp="1"/>
+          </p:cNvSpPr>
+          <p:nvPr>
+            <p:ph type="title"/>
+          </p:nvPr>
+        </p:nvSpPr>
+        <p:spPr/>
+        <p:txBody>
+          <a:bodyPr/>
+          <a:lstStyle/>
+          <a:p>
+            <a:r>
+              <a:rPr lang="he-IL" dirty="0"/>
+              <a:t>סיכומים לבדיקת מנהל</a:t>
+            </a:r>
+          </a:p>
+        </p:txBody>
+      </p:sp>
+      <p:sp>
+        <p:nvSpPr>
+          <p:cNvPr id="4" name="מציין מיקום של תאריך 3">
+            <a:extLst>
+              <a:ext uri="{FF2B5EF4-FFF2-40B4-BE49-F238E27FC236}">
+                <a16:creationId xmlns:a16="http://schemas.microsoft.com/office/drawing/2014/main" id="{1C2BE7ED-485D-4221-9D39-C6EA7DA14F1F}"/>
+              </a:ext>
+            </a:extLst>
+          </p:cNvPr>
+          <p:cNvSpPr>
+            <a:spLocks noGrp="1"/>
+          </p:cNvSpPr>
+          <p:nvPr>
+            <p:ph type="dt" sz="half" idx="10"/>
+          </p:nvPr>
+        </p:nvSpPr>
+        <p:spPr>
+          <a:xfrm>
+            <a:off x="8610600" y="365125"/>
+            <a:ext cx="2743200" cy="365125"/>
+          </a:xfrm>
+        </p:spPr>
+        <p:txBody>
+          <a:bodyPr/>
+          <a:lstStyle/>
+          <a:p>
+            <a:r>
+              <a:rPr lang="he-IL" dirty="0"/>
+              <a:t>בס"ד</a:t>
+            </a:r>
+          </a:p>
+        </p:txBody>
+      </p:sp>
+      <p:pic>
+        <p:nvPicPr>
+          <p:cNvPr id="13" name="מציין מיקום תוכן 12">
+            <a:extLst>
+              <a:ext uri="{FF2B5EF4-FFF2-40B4-BE49-F238E27FC236}">
+                <a16:creationId xmlns:a16="http://schemas.microsoft.com/office/drawing/2014/main" id="{55D57AB2-D3B1-427A-B775-FEDFA1255666}"/>
+              </a:ext>
+            </a:extLst>
+          </p:cNvPr>
+          <p:cNvPicPr>
+            <a:picLocks noGrp="1" noChangeAspect="1"/>
+          </p:cNvPicPr>
+          <p:nvPr>
+            <p:ph idx="1"/>
+          </p:nvPr>
+        </p:nvPicPr>
+        <p:blipFill>
+          <a:blip r:embed="rId2">
+            <a:extLst>
+              <a:ext uri="{28A0092B-C50C-407E-A947-70E740481C1C}">
+                <a14:useLocalDpi xmlns:a14="http://schemas.microsoft.com/office/drawing/2010/main" val="0"/>
+              </a:ext>
+            </a:extLst>
+          </a:blip>
+          <a:stretch>
+            <a:fillRect/>
+          </a:stretch>
+        </p:blipFill>
+        <p:spPr>
+          <a:xfrm>
+            <a:off x="4936578" y="1313631"/>
+            <a:ext cx="2591685" cy="4863332"/>
+          </a:xfrm>
+        </p:spPr>
+      </p:pic>
+    </p:spTree>
+    <p:extLst>
+      <p:ext uri="{BB962C8B-B14F-4D97-AF65-F5344CB8AC3E}">
+        <p14:creationId xmlns:p14="http://schemas.microsoft.com/office/powerpoint/2010/main" val="1573488035"/>
+      </p:ext>
+    </p:extLst>
+  </p:cSld>
+  <p:clrMapOvr>
+    <a:masterClrMapping/>
+  </p:clrMapOvr>
+</p:sld>
+</file>
+
+<file path=ppt/slides/slide22.xml><?xml version="1.0" encoding="utf-8"?>
+<p:sld xmlns:a="http://schemas.openxmlformats.org/drawingml/2006/main" xmlns:r="http://schemas.openxmlformats.org/officeDocument/2006/relationships" xmlns:p="http://schemas.openxmlformats.org/presentationml/2006/main">
+  <p:cSld>
+    <p:spTree>
+      <p:nvGrpSpPr>
+        <p:cNvPr id="1" name=""/>
+        <p:cNvGrpSpPr/>
+        <p:nvPr/>
+      </p:nvGrpSpPr>
+      <p:grpSpPr>
+        <a:xfrm>
+          <a:off x="0" y="0"/>
+          <a:ext cx="0" cy="0"/>
+          <a:chOff x="0" y="0"/>
+          <a:chExt cx="0" cy="0"/>
+        </a:xfrm>
+      </p:grpSpPr>
+      <p:sp>
+        <p:nvSpPr>
+          <p:cNvPr id="2" name="כותרת 1">
+            <a:extLst>
+              <a:ext uri="{FF2B5EF4-FFF2-40B4-BE49-F238E27FC236}">
+                <a16:creationId xmlns:a16="http://schemas.microsoft.com/office/drawing/2014/main" id="{747914BB-03C5-49DE-8F76-FCBA5850ACA2}"/>
+              </a:ext>
+            </a:extLst>
+          </p:cNvPr>
+          <p:cNvSpPr>
+            <a:spLocks noGrp="1"/>
+          </p:cNvSpPr>
+          <p:nvPr>
+            <p:ph type="title"/>
+          </p:nvPr>
+        </p:nvSpPr>
+        <p:spPr/>
+        <p:txBody>
+          <a:bodyPr/>
+          <a:lstStyle/>
+          <a:p>
+            <a:r>
+              <a:rPr lang="he-IL" dirty="0"/>
+              <a:t>דירוג המסכמים</a:t>
+            </a:r>
+          </a:p>
+        </p:txBody>
+      </p:sp>
+      <p:pic>
+        <p:nvPicPr>
+          <p:cNvPr id="6" name="מציין מיקום תוכן 5">
+            <a:extLst>
+              <a:ext uri="{FF2B5EF4-FFF2-40B4-BE49-F238E27FC236}">
+                <a16:creationId xmlns:a16="http://schemas.microsoft.com/office/drawing/2014/main" id="{6B87BC89-3E14-45FF-8E02-155D08F42BBD}"/>
+              </a:ext>
+            </a:extLst>
+          </p:cNvPr>
+          <p:cNvPicPr>
+            <a:picLocks noGrp="1" noChangeAspect="1"/>
+          </p:cNvPicPr>
+          <p:nvPr>
+            <p:ph idx="1"/>
+          </p:nvPr>
+        </p:nvPicPr>
+        <p:blipFill>
+          <a:blip r:embed="rId2">
+            <a:extLst>
+              <a:ext uri="{28A0092B-C50C-407E-A947-70E740481C1C}">
+                <a14:useLocalDpi xmlns:a14="http://schemas.microsoft.com/office/drawing/2010/main" val="0"/>
+              </a:ext>
+            </a:extLst>
+          </a:blip>
+          <a:stretch>
+            <a:fillRect/>
+          </a:stretch>
+        </p:blipFill>
+        <p:spPr>
+          <a:xfrm>
+            <a:off x="1309896" y="1690688"/>
+            <a:ext cx="2466278" cy="4540482"/>
+          </a:xfrm>
+        </p:spPr>
+      </p:pic>
+      <p:sp>
+        <p:nvSpPr>
+          <p:cNvPr id="4" name="מציין מיקום של תאריך 3">
+            <a:extLst>
+              <a:ext uri="{FF2B5EF4-FFF2-40B4-BE49-F238E27FC236}">
+                <a16:creationId xmlns:a16="http://schemas.microsoft.com/office/drawing/2014/main" id="{5F81B73A-3CA5-4D7E-AFC0-55A60259786E}"/>
+              </a:ext>
+            </a:extLst>
+          </p:cNvPr>
+          <p:cNvSpPr>
+            <a:spLocks noGrp="1"/>
+          </p:cNvSpPr>
+          <p:nvPr>
+            <p:ph type="dt" sz="half" idx="10"/>
+          </p:nvPr>
+        </p:nvSpPr>
+        <p:spPr>
+          <a:xfrm>
+            <a:off x="8610600" y="365125"/>
+            <a:ext cx="2743200" cy="365125"/>
+          </a:xfrm>
+        </p:spPr>
+        <p:txBody>
+          <a:bodyPr/>
+          <a:lstStyle/>
+          <a:p>
+            <a:r>
+              <a:rPr lang="he-IL" dirty="0"/>
+              <a:t>בס"ד</a:t>
+            </a:r>
+          </a:p>
+        </p:txBody>
+      </p:sp>
+      <p:pic>
+        <p:nvPicPr>
+          <p:cNvPr id="8" name="תמונה 7">
+            <a:extLst>
+              <a:ext uri="{FF2B5EF4-FFF2-40B4-BE49-F238E27FC236}">
+                <a16:creationId xmlns:a16="http://schemas.microsoft.com/office/drawing/2014/main" id="{E5303A10-D375-4A65-8A46-C4D33A2AAB8E}"/>
+              </a:ext>
+            </a:extLst>
+          </p:cNvPr>
+          <p:cNvPicPr>
+            <a:picLocks noChangeAspect="1"/>
+          </p:cNvPicPr>
+          <p:nvPr/>
+        </p:nvPicPr>
+        <p:blipFill>
+          <a:blip r:embed="rId3">
+            <a:extLst>
+              <a:ext uri="{28A0092B-C50C-407E-A947-70E740481C1C}">
+                <a14:useLocalDpi xmlns:a14="http://schemas.microsoft.com/office/drawing/2010/main" val="0"/>
+              </a:ext>
+            </a:extLst>
+          </a:blip>
+          <a:stretch>
+            <a:fillRect/>
+          </a:stretch>
+        </p:blipFill>
+        <p:spPr>
+          <a:xfrm>
+            <a:off x="8610600" y="1690688"/>
+            <a:ext cx="2482978" cy="4540483"/>
+          </a:xfrm>
+          <a:prstGeom prst="rect">
+            <a:avLst/>
+          </a:prstGeom>
+        </p:spPr>
+      </p:pic>
+      <p:pic>
+        <p:nvPicPr>
+          <p:cNvPr id="10" name="תמונה 9">
+            <a:extLst>
+              <a:ext uri="{FF2B5EF4-FFF2-40B4-BE49-F238E27FC236}">
+                <a16:creationId xmlns:a16="http://schemas.microsoft.com/office/drawing/2014/main" id="{D566B0AF-16A1-4E33-8B95-E2057B31E10F}"/>
+              </a:ext>
+            </a:extLst>
+          </p:cNvPr>
+          <p:cNvPicPr>
+            <a:picLocks noChangeAspect="1"/>
+          </p:cNvPicPr>
+          <p:nvPr/>
+        </p:nvPicPr>
+        <p:blipFill>
+          <a:blip r:embed="rId4">
+            <a:extLst>
+              <a:ext uri="{28A0092B-C50C-407E-A947-70E740481C1C}">
+                <a14:useLocalDpi xmlns:a14="http://schemas.microsoft.com/office/drawing/2010/main" val="0"/>
+              </a:ext>
+            </a:extLst>
+          </a:blip>
+          <a:stretch>
+            <a:fillRect/>
+          </a:stretch>
+        </p:blipFill>
+        <p:spPr>
+          <a:xfrm>
+            <a:off x="4873562" y="1690688"/>
+            <a:ext cx="2417823" cy="4540482"/>
+          </a:xfrm>
+          <a:prstGeom prst="rect">
+            <a:avLst/>
+          </a:prstGeom>
+        </p:spPr>
+      </p:pic>
+    </p:spTree>
+    <p:extLst>
+      <p:ext uri="{BB962C8B-B14F-4D97-AF65-F5344CB8AC3E}">
+        <p14:creationId xmlns:p14="http://schemas.microsoft.com/office/powerpoint/2010/main" val="1483351957"/>
+      </p:ext>
+    </p:extLst>
+  </p:cSld>
+  <p:clrMapOvr>
+    <a:masterClrMapping/>
+  </p:clrMapOvr>
+</p:sld>
+</file>
+
+<file path=ppt/slides/slide23.xml><?xml version="1.0" encoding="utf-8"?>
+<p:sld xmlns:a="http://schemas.openxmlformats.org/drawingml/2006/main" xmlns:r="http://schemas.openxmlformats.org/officeDocument/2006/relationships" xmlns:p="http://schemas.openxmlformats.org/presentationml/2006/main">
+  <p:cSld>
+    <p:spTree>
+      <p:nvGrpSpPr>
+        <p:cNvPr id="1" name=""/>
+        <p:cNvGrpSpPr/>
+        <p:nvPr/>
+      </p:nvGrpSpPr>
+      <p:grpSpPr>
+        <a:xfrm>
+          <a:off x="0" y="0"/>
+          <a:ext cx="0" cy="0"/>
+          <a:chOff x="0" y="0"/>
+          <a:chExt cx="0" cy="0"/>
+        </a:xfrm>
+      </p:grpSpPr>
+      <p:sp>
+        <p:nvSpPr>
+          <p:cNvPr id="2" name="כותרת 1">
+            <a:extLst>
+              <a:ext uri="{FF2B5EF4-FFF2-40B4-BE49-F238E27FC236}">
+                <a16:creationId xmlns:a16="http://schemas.microsoft.com/office/drawing/2014/main" id="{E1B645A7-42DD-4DB2-B0CA-29574EEE1E22}"/>
+              </a:ext>
+            </a:extLst>
+          </p:cNvPr>
+          <p:cNvSpPr>
+            <a:spLocks noGrp="1"/>
+          </p:cNvSpPr>
+          <p:nvPr>
+            <p:ph type="title"/>
+          </p:nvPr>
+        </p:nvSpPr>
+        <p:spPr/>
+        <p:txBody>
+          <a:bodyPr/>
+          <a:lstStyle/>
+          <a:p>
+            <a:r>
+              <a:rPr lang="he-IL" dirty="0"/>
+              <a:t>תפריט</a:t>
+            </a:r>
+          </a:p>
+        </p:txBody>
+      </p:sp>
+      <p:pic>
+        <p:nvPicPr>
+          <p:cNvPr id="6" name="מציין מיקום תוכן 5">
+            <a:extLst>
+              <a:ext uri="{FF2B5EF4-FFF2-40B4-BE49-F238E27FC236}">
+                <a16:creationId xmlns:a16="http://schemas.microsoft.com/office/drawing/2014/main" id="{88AB3BFA-E120-4E1C-BFD1-E45864E84793}"/>
+              </a:ext>
+            </a:extLst>
+          </p:cNvPr>
+          <p:cNvPicPr>
+            <a:picLocks noGrp="1" noChangeAspect="1"/>
+          </p:cNvPicPr>
+          <p:nvPr>
+            <p:ph idx="1"/>
+          </p:nvPr>
+        </p:nvPicPr>
+        <p:blipFill>
+          <a:blip r:embed="rId2">
+            <a:extLst>
+              <a:ext uri="{28A0092B-C50C-407E-A947-70E740481C1C}">
+                <a14:useLocalDpi xmlns:a14="http://schemas.microsoft.com/office/drawing/2010/main" val="0"/>
+              </a:ext>
+            </a:extLst>
+          </a:blip>
+          <a:stretch>
+            <a:fillRect/>
+          </a:stretch>
+        </p:blipFill>
+        <p:spPr>
+          <a:xfrm>
+            <a:off x="6839629" y="1319793"/>
+            <a:ext cx="2490802" cy="4797588"/>
+          </a:xfrm>
+        </p:spPr>
+      </p:pic>
+      <p:sp>
+        <p:nvSpPr>
+          <p:cNvPr id="4" name="מציין מיקום של תאריך 3">
+            <a:extLst>
+              <a:ext uri="{FF2B5EF4-FFF2-40B4-BE49-F238E27FC236}">
+                <a16:creationId xmlns:a16="http://schemas.microsoft.com/office/drawing/2014/main" id="{69B84E16-848B-4278-A804-1687119CD50B}"/>
+              </a:ext>
+            </a:extLst>
+          </p:cNvPr>
+          <p:cNvSpPr>
+            <a:spLocks noGrp="1"/>
+          </p:cNvSpPr>
+          <p:nvPr>
+            <p:ph type="dt" sz="half" idx="10"/>
+          </p:nvPr>
+        </p:nvSpPr>
+        <p:spPr>
+          <a:xfrm>
+            <a:off x="8610600" y="365125"/>
+            <a:ext cx="2743200" cy="365125"/>
+          </a:xfrm>
+        </p:spPr>
+        <p:txBody>
+          <a:bodyPr/>
+          <a:lstStyle/>
+          <a:p>
+            <a:r>
+              <a:rPr lang="he-IL" dirty="0"/>
+              <a:t>בס"ד</a:t>
+            </a:r>
+          </a:p>
+        </p:txBody>
+      </p:sp>
+      <p:pic>
+        <p:nvPicPr>
+          <p:cNvPr id="10" name="תמונה 9">
+            <a:extLst>
+              <a:ext uri="{FF2B5EF4-FFF2-40B4-BE49-F238E27FC236}">
+                <a16:creationId xmlns:a16="http://schemas.microsoft.com/office/drawing/2014/main" id="{B7E491AB-FA04-4A62-A401-152B82683735}"/>
+              </a:ext>
+            </a:extLst>
+          </p:cNvPr>
+          <p:cNvPicPr>
+            <a:picLocks noChangeAspect="1"/>
+          </p:cNvPicPr>
+          <p:nvPr/>
+        </p:nvPicPr>
+        <p:blipFill>
+          <a:blip r:embed="rId3">
+            <a:extLst>
+              <a:ext uri="{28A0092B-C50C-407E-A947-70E740481C1C}">
+                <a14:useLocalDpi xmlns:a14="http://schemas.microsoft.com/office/drawing/2010/main" val="0"/>
+              </a:ext>
+            </a:extLst>
+          </a:blip>
+          <a:stretch>
+            <a:fillRect/>
+          </a:stretch>
+        </p:blipFill>
+        <p:spPr>
+          <a:xfrm>
+            <a:off x="3215317" y="1319793"/>
+            <a:ext cx="2563095" cy="4797588"/>
+          </a:xfrm>
+          <a:prstGeom prst="rect">
+            <a:avLst/>
+          </a:prstGeom>
+        </p:spPr>
+      </p:pic>
+    </p:spTree>
+    <p:extLst>
+      <p:ext uri="{BB962C8B-B14F-4D97-AF65-F5344CB8AC3E}">
+        <p14:creationId xmlns:p14="http://schemas.microsoft.com/office/powerpoint/2010/main" val="3612561571"/>
+      </p:ext>
+    </p:extLst>
+  </p:cSld>
+  <p:clrMapOvr>
+    <a:masterClrMapping/>
+  </p:clrMapOvr>
+</p:sld>
+</file>
+
+<file path=ppt/slides/slide24.xml><?xml version="1.0" encoding="utf-8"?>
+<p:sld xmlns:a="http://schemas.openxmlformats.org/drawingml/2006/main" xmlns:r="http://schemas.openxmlformats.org/officeDocument/2006/relationships" xmlns:p="http://schemas.openxmlformats.org/presentationml/2006/main">
+  <p:cSld>
+    <p:spTree>
+      <p:nvGrpSpPr>
+        <p:cNvPr id="1" name=""/>
+        <p:cNvGrpSpPr/>
+        <p:nvPr/>
+      </p:nvGrpSpPr>
+      <p:grpSpPr>
+        <a:xfrm>
+          <a:off x="0" y="0"/>
+          <a:ext cx="0" cy="0"/>
+          <a:chOff x="0" y="0"/>
+          <a:chExt cx="0" cy="0"/>
+        </a:xfrm>
+      </p:grpSpPr>
+      <p:sp>
+        <p:nvSpPr>
+          <p:cNvPr id="2" name="כותרת 1">
+            <a:extLst>
+              <a:ext uri="{FF2B5EF4-FFF2-40B4-BE49-F238E27FC236}">
+                <a16:creationId xmlns:a16="http://schemas.microsoft.com/office/drawing/2014/main" id="{14F6AC32-8FF9-4196-A58D-4033EA8EE011}"/>
+              </a:ext>
+            </a:extLst>
+          </p:cNvPr>
+          <p:cNvSpPr>
+            <a:spLocks noGrp="1"/>
+          </p:cNvSpPr>
+          <p:nvPr>
+            <p:ph type="title"/>
+          </p:nvPr>
+        </p:nvSpPr>
+        <p:spPr>
+          <a:xfrm>
+            <a:off x="838200" y="2335968"/>
+            <a:ext cx="10515600" cy="1325563"/>
+          </a:xfrm>
+        </p:spPr>
+        <p:txBody>
+          <a:bodyPr>
+            <a:normAutofit fontScale="90000"/>
+          </a:bodyPr>
+          <a:lstStyle/>
+          <a:p>
+            <a:pPr algn="ctr"/>
+            <a:r>
+              <a:rPr lang="en-US" sz="9800" b="1" dirty="0">
+                <a:effectLst>
+                  <a:outerShdw blurRad="38100" dist="38100" dir="2700000" algn="tl">
+                    <a:srgbClr val="000000">
+                      <a:alpha val="43137"/>
+                    </a:srgbClr>
+                  </a:outerShdw>
+                </a:effectLst>
+              </a:rPr>
+              <a:t>Firebase</a:t>
+            </a:r>
+            <a:endParaRPr lang="he-IL" b="1" dirty="0">
+              <a:effectLst>
+                <a:outerShdw blurRad="38100" dist="38100" dir="2700000" algn="tl">
+                  <a:srgbClr val="000000">
+                    <a:alpha val="43137"/>
+                  </a:srgbClr>
+                </a:outerShdw>
+              </a:effectLst>
+            </a:endParaRPr>
+          </a:p>
+        </p:txBody>
+      </p:sp>
+      <p:sp>
+        <p:nvSpPr>
+          <p:cNvPr id="4" name="מציין מיקום של תאריך 3">
+            <a:extLst>
+              <a:ext uri="{FF2B5EF4-FFF2-40B4-BE49-F238E27FC236}">
+                <a16:creationId xmlns:a16="http://schemas.microsoft.com/office/drawing/2014/main" id="{6E15102C-3B58-4EC7-97F8-33081CD2B4B9}"/>
+              </a:ext>
+            </a:extLst>
+          </p:cNvPr>
+          <p:cNvSpPr>
+            <a:spLocks noGrp="1"/>
+          </p:cNvSpPr>
+          <p:nvPr>
+            <p:ph type="dt" sz="half" idx="10"/>
+          </p:nvPr>
+        </p:nvSpPr>
+        <p:spPr>
+          <a:xfrm>
+            <a:off x="8610600" y="365125"/>
+            <a:ext cx="2743200" cy="365125"/>
+          </a:xfrm>
+        </p:spPr>
+        <p:txBody>
+          <a:bodyPr/>
+          <a:lstStyle/>
+          <a:p>
+            <a:r>
+              <a:rPr lang="he-IL" dirty="0"/>
+              <a:t>בס"ד</a:t>
+            </a:r>
+          </a:p>
+        </p:txBody>
+      </p:sp>
+      <p:sp>
+        <p:nvSpPr>
+          <p:cNvPr id="8" name="מלבן 7">
+            <a:extLst>
+              <a:ext uri="{FF2B5EF4-FFF2-40B4-BE49-F238E27FC236}">
+                <a16:creationId xmlns:a16="http://schemas.microsoft.com/office/drawing/2014/main" id="{F1C77AE5-E446-4787-BF22-BA511C7E5FFA}"/>
+              </a:ext>
+            </a:extLst>
+          </p:cNvPr>
+          <p:cNvSpPr/>
+          <p:nvPr/>
+        </p:nvSpPr>
+        <p:spPr>
+          <a:xfrm>
+            <a:off x="4602771" y="3661531"/>
+            <a:ext cx="2595839" cy="923330"/>
+          </a:xfrm>
+          <a:prstGeom prst="rect">
+            <a:avLst/>
+          </a:prstGeom>
+          <a:noFill/>
+        </p:spPr>
+        <p:txBody>
+          <a:bodyPr wrap="none" lIns="91440" tIns="45720" rIns="91440" bIns="45720">
+            <a:spAutoFit/>
+          </a:bodyPr>
+          <a:lstStyle/>
+          <a:p>
+            <a:pPr algn="ctr"/>
+            <a:r>
+              <a:rPr lang="en-US" sz="5400" b="1" cap="none" spc="0" dirty="0">
+                <a:ln w="13462">
+                  <a:solidFill>
+                    <a:schemeClr val="bg1"/>
+                  </a:solidFill>
+                  <a:prstDash val="solid"/>
+                </a:ln>
+                <a:solidFill>
+                  <a:schemeClr val="tx1">
+                    <a:lumMod val="85000"/>
+                    <a:lumOff val="15000"/>
+                  </a:schemeClr>
+                </a:solidFill>
+                <a:effectLst>
+                  <a:outerShdw dist="38100" dir="2700000" algn="bl" rotWithShape="0">
+                    <a:schemeClr val="accent5"/>
+                  </a:outerShdw>
+                </a:effectLst>
+              </a:rPr>
+              <a:t>Firebase</a:t>
+            </a:r>
+            <a:endParaRPr lang="he-IL" sz="5400" b="1" cap="none" spc="0" dirty="0">
+              <a:ln w="13462">
+                <a:solidFill>
+                  <a:schemeClr val="bg1"/>
+                </a:solidFill>
+                <a:prstDash val="solid"/>
+              </a:ln>
+              <a:solidFill>
+                <a:schemeClr val="tx1">
+                  <a:lumMod val="85000"/>
+                  <a:lumOff val="15000"/>
+                </a:schemeClr>
+              </a:solidFill>
+              <a:effectLst>
+                <a:outerShdw dist="38100" dir="2700000" algn="bl" rotWithShape="0">
+                  <a:schemeClr val="accent5"/>
+                </a:outerShdw>
+              </a:effectLst>
+            </a:endParaRPr>
+          </a:p>
+        </p:txBody>
+      </p:sp>
+    </p:spTree>
+    <p:extLst>
+      <p:ext uri="{BB962C8B-B14F-4D97-AF65-F5344CB8AC3E}">
+        <p14:creationId xmlns:p14="http://schemas.microsoft.com/office/powerpoint/2010/main" val="3329125560"/>
+      </p:ext>
+    </p:extLst>
+  </p:cSld>
+  <p:clrMapOvr>
+    <a:masterClrMapping/>
+  </p:clrMapOvr>
+</p:sld>
+</file>
+
+<file path=ppt/slides/slide25.xml><?xml version="1.0" encoding="utf-8"?>
+<p:sld xmlns:a="http://schemas.openxmlformats.org/drawingml/2006/main" xmlns:r="http://schemas.openxmlformats.org/officeDocument/2006/relationships" xmlns:p="http://schemas.openxmlformats.org/presentationml/2006/main">
+  <p:cSld>
+    <p:spTree>
+      <p:nvGrpSpPr>
+        <p:cNvPr id="1" name=""/>
+        <p:cNvGrpSpPr/>
+        <p:nvPr/>
+      </p:nvGrpSpPr>
+      <p:grpSpPr>
+        <a:xfrm>
+          <a:off x="0" y="0"/>
+          <a:ext cx="0" cy="0"/>
+          <a:chOff x="0" y="0"/>
+          <a:chExt cx="0" cy="0"/>
+        </a:xfrm>
+      </p:grpSpPr>
+      <p:sp>
+        <p:nvSpPr>
+          <p:cNvPr id="2" name="כותרת 1">
+            <a:extLst>
+              <a:ext uri="{FF2B5EF4-FFF2-40B4-BE49-F238E27FC236}">
+                <a16:creationId xmlns:a16="http://schemas.microsoft.com/office/drawing/2014/main" id="{E0FC28C0-7515-4EAF-AEC5-3F3F5D2DC96A}"/>
+              </a:ext>
+            </a:extLst>
+          </p:cNvPr>
+          <p:cNvSpPr>
+            <a:spLocks noGrp="1"/>
+          </p:cNvSpPr>
+          <p:nvPr>
+            <p:ph type="title"/>
+          </p:nvPr>
+        </p:nvSpPr>
+        <p:spPr/>
+        <p:txBody>
+          <a:bodyPr/>
+          <a:lstStyle/>
+          <a:p>
+            <a:r>
+              <a:rPr lang="he-IL" dirty="0"/>
+              <a:t>תיאור ה</a:t>
+            </a:r>
+            <a:r>
+              <a:rPr lang="en-US" dirty="0"/>
+              <a:t>DB </a:t>
+            </a:r>
+            <a:endParaRPr lang="he-IL" dirty="0"/>
+          </a:p>
+        </p:txBody>
+      </p:sp>
+      <p:sp>
+        <p:nvSpPr>
+          <p:cNvPr id="3" name="מציין מיקום תוכן 2">
+            <a:extLst>
+              <a:ext uri="{FF2B5EF4-FFF2-40B4-BE49-F238E27FC236}">
+                <a16:creationId xmlns:a16="http://schemas.microsoft.com/office/drawing/2014/main" id="{50BE7E37-8F7D-4D3C-A716-E2F0B9FBF4AB}"/>
+              </a:ext>
+            </a:extLst>
+          </p:cNvPr>
+          <p:cNvSpPr>
+            <a:spLocks noGrp="1"/>
+          </p:cNvSpPr>
+          <p:nvPr>
+            <p:ph idx="1"/>
+          </p:nvPr>
+        </p:nvSpPr>
+        <p:spPr/>
+        <p:txBody>
+          <a:bodyPr/>
+          <a:lstStyle/>
+          <a:p>
+            <a:pPr marL="0" indent="0">
+              <a:buNone/>
+            </a:pPr>
+            <a:r>
+              <a:rPr lang="he-IL" dirty="0"/>
+              <a:t>שמירת הנתונים ב </a:t>
+            </a:r>
+            <a:r>
+              <a:rPr lang="en-US" dirty="0"/>
+              <a:t>DB</a:t>
+            </a:r>
+            <a:r>
+              <a:rPr lang="he-IL" dirty="0"/>
+              <a:t> מתחלקת לשלושה אזורים:</a:t>
+            </a:r>
+          </a:p>
+          <a:p>
+            <a:pPr marL="0" indent="0">
+              <a:buNone/>
+            </a:pPr>
+            <a:r>
+              <a:rPr lang="en-US" dirty="0" err="1"/>
+              <a:t>Firestore</a:t>
+            </a:r>
+            <a:r>
+              <a:rPr lang="he-IL" dirty="0"/>
+              <a:t> – מידע על המשתמשים</a:t>
+            </a:r>
+          </a:p>
+          <a:p>
+            <a:pPr marL="0" indent="0">
+              <a:buNone/>
+            </a:pPr>
+            <a:r>
+              <a:rPr lang="en-US" dirty="0"/>
+              <a:t>Storage</a:t>
+            </a:r>
+            <a:r>
+              <a:rPr lang="he-IL" dirty="0"/>
+              <a:t> – אחסון הסיכומים</a:t>
+            </a:r>
+          </a:p>
+          <a:p>
+            <a:pPr marL="0" indent="0">
+              <a:buNone/>
+            </a:pPr>
+            <a:r>
+              <a:rPr lang="en-US" dirty="0"/>
+              <a:t>Realtime Database</a:t>
+            </a:r>
+            <a:r>
+              <a:rPr lang="he-IL" dirty="0"/>
+              <a:t> – מידע על הסיכומים</a:t>
+            </a:r>
+          </a:p>
+        </p:txBody>
+      </p:sp>
+      <p:sp>
+        <p:nvSpPr>
+          <p:cNvPr id="4" name="מציין מיקום של תאריך 3">
+            <a:extLst>
+              <a:ext uri="{FF2B5EF4-FFF2-40B4-BE49-F238E27FC236}">
+                <a16:creationId xmlns:a16="http://schemas.microsoft.com/office/drawing/2014/main" id="{E2AE78D8-4081-4000-99EE-9F9050071206}"/>
+              </a:ext>
+            </a:extLst>
+          </p:cNvPr>
+          <p:cNvSpPr>
+            <a:spLocks noGrp="1"/>
+          </p:cNvSpPr>
+          <p:nvPr>
+            <p:ph type="dt" sz="half" idx="10"/>
+          </p:nvPr>
+        </p:nvSpPr>
+        <p:spPr>
+          <a:xfrm>
+            <a:off x="8610600" y="365125"/>
+            <a:ext cx="2743200" cy="365125"/>
+          </a:xfrm>
+        </p:spPr>
+        <p:txBody>
+          <a:bodyPr/>
+          <a:lstStyle/>
+          <a:p>
+            <a:r>
+              <a:rPr lang="he-IL" dirty="0"/>
+              <a:t>בס"ד</a:t>
+            </a:r>
+          </a:p>
+        </p:txBody>
+      </p:sp>
+    </p:spTree>
+    <p:extLst>
+      <p:ext uri="{BB962C8B-B14F-4D97-AF65-F5344CB8AC3E}">
+        <p14:creationId xmlns:p14="http://schemas.microsoft.com/office/powerpoint/2010/main" val="1757397594"/>
+      </p:ext>
+    </p:extLst>
+  </p:cSld>
+  <p:clrMapOvr>
+    <a:masterClrMapping/>
+  </p:clrMapOvr>
+</p:sld>
+</file>
+
+<file path=ppt/slides/slide26.xml><?xml version="1.0" encoding="utf-8"?>
+<p:sld xmlns:a="http://schemas.openxmlformats.org/drawingml/2006/main" xmlns:r="http://schemas.openxmlformats.org/officeDocument/2006/relationships" xmlns:p="http://schemas.openxmlformats.org/presentationml/2006/main">
+  <p:cSld>
+    <p:spTree>
+      <p:nvGrpSpPr>
+        <p:cNvPr id="1" name=""/>
+        <p:cNvGrpSpPr/>
+        <p:nvPr/>
+      </p:nvGrpSpPr>
+      <p:grpSpPr>
+        <a:xfrm>
+          <a:off x="0" y="0"/>
+          <a:ext cx="0" cy="0"/>
+          <a:chOff x="0" y="0"/>
+          <a:chExt cx="0" cy="0"/>
+        </a:xfrm>
+      </p:grpSpPr>
+      <p:sp>
+        <p:nvSpPr>
+          <p:cNvPr id="2" name="כותרת 1">
+            <a:extLst>
+              <a:ext uri="{FF2B5EF4-FFF2-40B4-BE49-F238E27FC236}">
+                <a16:creationId xmlns:a16="http://schemas.microsoft.com/office/drawing/2014/main" id="{ED6D234D-5824-4A48-82FF-F3729E71EEB6}"/>
+              </a:ext>
+            </a:extLst>
+          </p:cNvPr>
+          <p:cNvSpPr>
+            <a:spLocks noGrp="1"/>
+          </p:cNvSpPr>
+          <p:nvPr>
+            <p:ph type="title"/>
+          </p:nvPr>
+        </p:nvSpPr>
+        <p:spPr/>
+        <p:txBody>
+          <a:bodyPr/>
+          <a:lstStyle/>
+          <a:p>
+            <a:endParaRPr lang="he-IL"/>
+          </a:p>
+        </p:txBody>
+      </p:sp>
+      <p:pic>
+        <p:nvPicPr>
+          <p:cNvPr id="6" name="מציין מיקום תוכן 5">
+            <a:extLst>
+              <a:ext uri="{FF2B5EF4-FFF2-40B4-BE49-F238E27FC236}">
+                <a16:creationId xmlns:a16="http://schemas.microsoft.com/office/drawing/2014/main" id="{51E8B0B2-4D74-4A22-BF4C-B742C096CFFD}"/>
+              </a:ext>
+            </a:extLst>
+          </p:cNvPr>
+          <p:cNvPicPr>
+            <a:picLocks noGrp="1" noChangeAspect="1"/>
+          </p:cNvPicPr>
+          <p:nvPr>
+            <p:ph idx="1"/>
+          </p:nvPr>
+        </p:nvPicPr>
+        <p:blipFill>
+          <a:blip r:embed="rId2">
+            <a:extLst>
+              <a:ext uri="{28A0092B-C50C-407E-A947-70E740481C1C}">
+                <a14:useLocalDpi xmlns:a14="http://schemas.microsoft.com/office/drawing/2010/main" val="0"/>
+              </a:ext>
+            </a:extLst>
+          </a:blip>
+          <a:stretch>
+            <a:fillRect/>
+          </a:stretch>
+        </p:blipFill>
+        <p:spPr>
+          <a:xfrm>
+            <a:off x="1711099" y="1912036"/>
+            <a:ext cx="8769801" cy="4178515"/>
+          </a:xfrm>
+        </p:spPr>
+      </p:pic>
+      <p:sp>
+        <p:nvSpPr>
+          <p:cNvPr id="4" name="מציין מיקום של תאריך 3">
+            <a:extLst>
+              <a:ext uri="{FF2B5EF4-FFF2-40B4-BE49-F238E27FC236}">
+                <a16:creationId xmlns:a16="http://schemas.microsoft.com/office/drawing/2014/main" id="{AD6A681D-F4C0-490E-B2DD-34BF173F392A}"/>
+              </a:ext>
+            </a:extLst>
+          </p:cNvPr>
+          <p:cNvSpPr>
+            <a:spLocks noGrp="1"/>
+          </p:cNvSpPr>
+          <p:nvPr>
+            <p:ph type="dt" sz="half" idx="10"/>
+          </p:nvPr>
+        </p:nvSpPr>
+        <p:spPr>
+          <a:xfrm>
+            <a:off x="8610600" y="365125"/>
+            <a:ext cx="2743200" cy="365125"/>
+          </a:xfrm>
+        </p:spPr>
+        <p:txBody>
+          <a:bodyPr/>
+          <a:lstStyle/>
+          <a:p>
+            <a:r>
+              <a:rPr lang="he-IL" dirty="0"/>
+              <a:t>בס"ד</a:t>
+            </a:r>
+          </a:p>
+        </p:txBody>
+      </p:sp>
+    </p:spTree>
+    <p:extLst>
+      <p:ext uri="{BB962C8B-B14F-4D97-AF65-F5344CB8AC3E}">
+        <p14:creationId xmlns:p14="http://schemas.microsoft.com/office/powerpoint/2010/main" val="1039253759"/>
+      </p:ext>
+    </p:extLst>
+  </p:cSld>
+  <p:clrMapOvr>
+    <a:masterClrMapping/>
+  </p:clrMapOvr>
+</p:sld>
+</file>
+
+<file path=ppt/slides/slide27.xml><?xml version="1.0" encoding="utf-8"?>
+<p:sld xmlns:a="http://schemas.openxmlformats.org/drawingml/2006/main" xmlns:r="http://schemas.openxmlformats.org/officeDocument/2006/relationships" xmlns:p="http://schemas.openxmlformats.org/presentationml/2006/main">
+  <p:cSld>
+    <p:spTree>
+      <p:nvGrpSpPr>
+        <p:cNvPr id="1" name=""/>
+        <p:cNvGrpSpPr/>
+        <p:nvPr/>
+      </p:nvGrpSpPr>
+      <p:grpSpPr>
+        <a:xfrm>
+          <a:off x="0" y="0"/>
+          <a:ext cx="0" cy="0"/>
+          <a:chOff x="0" y="0"/>
+          <a:chExt cx="0" cy="0"/>
+        </a:xfrm>
+      </p:grpSpPr>
+      <p:sp>
+        <p:nvSpPr>
+          <p:cNvPr id="2" name="כותרת 1">
+            <a:extLst>
+              <a:ext uri="{FF2B5EF4-FFF2-40B4-BE49-F238E27FC236}">
+                <a16:creationId xmlns:a16="http://schemas.microsoft.com/office/drawing/2014/main" id="{308778D4-907B-4077-A62A-5E016E951A8F}"/>
+              </a:ext>
+            </a:extLst>
+          </p:cNvPr>
+          <p:cNvSpPr>
+            <a:spLocks noGrp="1"/>
+          </p:cNvSpPr>
+          <p:nvPr>
+            <p:ph type="title"/>
+          </p:nvPr>
+        </p:nvSpPr>
+        <p:spPr/>
+        <p:txBody>
+          <a:bodyPr/>
+          <a:lstStyle/>
+          <a:p>
+            <a:endParaRPr lang="he-IL"/>
+          </a:p>
+        </p:txBody>
+      </p:sp>
+      <p:pic>
+        <p:nvPicPr>
+          <p:cNvPr id="6" name="מציין מיקום תוכן 5">
+            <a:extLst>
+              <a:ext uri="{FF2B5EF4-FFF2-40B4-BE49-F238E27FC236}">
+                <a16:creationId xmlns:a16="http://schemas.microsoft.com/office/drawing/2014/main" id="{EFE211FA-F7E9-488C-822B-E82D7BEED085}"/>
+              </a:ext>
+            </a:extLst>
+          </p:cNvPr>
+          <p:cNvPicPr>
+            <a:picLocks noGrp="1" noChangeAspect="1"/>
+          </p:cNvPicPr>
+          <p:nvPr>
+            <p:ph idx="1"/>
+          </p:nvPr>
+        </p:nvPicPr>
+        <p:blipFill>
+          <a:blip r:embed="rId2">
+            <a:extLst>
+              <a:ext uri="{28A0092B-C50C-407E-A947-70E740481C1C}">
+                <a14:useLocalDpi xmlns:a14="http://schemas.microsoft.com/office/drawing/2010/main" val="0"/>
+              </a:ext>
+            </a:extLst>
+          </a:blip>
+          <a:stretch>
+            <a:fillRect/>
+          </a:stretch>
+        </p:blipFill>
+        <p:spPr>
+          <a:xfrm>
+            <a:off x="1711099" y="2045393"/>
+            <a:ext cx="8769801" cy="3911801"/>
+          </a:xfrm>
+        </p:spPr>
+      </p:pic>
+      <p:sp>
+        <p:nvSpPr>
+          <p:cNvPr id="4" name="מציין מיקום של תאריך 3">
+            <a:extLst>
+              <a:ext uri="{FF2B5EF4-FFF2-40B4-BE49-F238E27FC236}">
+                <a16:creationId xmlns:a16="http://schemas.microsoft.com/office/drawing/2014/main" id="{0A1F7D28-A39D-47D2-B455-E3138375E5DA}"/>
+              </a:ext>
+            </a:extLst>
+          </p:cNvPr>
+          <p:cNvSpPr>
+            <a:spLocks noGrp="1"/>
+          </p:cNvSpPr>
+          <p:nvPr>
+            <p:ph type="dt" sz="half" idx="10"/>
+          </p:nvPr>
+        </p:nvSpPr>
+        <p:spPr>
+          <a:xfrm>
+            <a:off x="8610600" y="365125"/>
+            <a:ext cx="2743200" cy="365125"/>
+          </a:xfrm>
+        </p:spPr>
+        <p:txBody>
+          <a:bodyPr/>
+          <a:lstStyle/>
+          <a:p>
+            <a:r>
+              <a:rPr lang="he-IL" dirty="0"/>
+              <a:t>בס"ד</a:t>
+            </a:r>
+          </a:p>
+        </p:txBody>
+      </p:sp>
+    </p:spTree>
+    <p:extLst>
+      <p:ext uri="{BB962C8B-B14F-4D97-AF65-F5344CB8AC3E}">
+        <p14:creationId xmlns:p14="http://schemas.microsoft.com/office/powerpoint/2010/main" val="914275699"/>
+      </p:ext>
+    </p:extLst>
+  </p:cSld>
+  <p:clrMapOvr>
+    <a:masterClrMapping/>
+  </p:clrMapOvr>
+</p:sld>
+</file>
+
+<file path=ppt/slides/slide28.xml><?xml version="1.0" encoding="utf-8"?>
+<p:sld xmlns:a="http://schemas.openxmlformats.org/drawingml/2006/main" xmlns:r="http://schemas.openxmlformats.org/officeDocument/2006/relationships" xmlns:p="http://schemas.openxmlformats.org/presentationml/2006/main">
+  <p:cSld>
+    <p:spTree>
+      <p:nvGrpSpPr>
+        <p:cNvPr id="1" name=""/>
+        <p:cNvGrpSpPr/>
+        <p:nvPr/>
+      </p:nvGrpSpPr>
+      <p:grpSpPr>
+        <a:xfrm>
+          <a:off x="0" y="0"/>
+          <a:ext cx="0" cy="0"/>
+          <a:chOff x="0" y="0"/>
+          <a:chExt cx="0" cy="0"/>
+        </a:xfrm>
+      </p:grpSpPr>
+      <p:sp>
+        <p:nvSpPr>
+          <p:cNvPr id="2" name="כותרת 1">
+            <a:extLst>
+              <a:ext uri="{FF2B5EF4-FFF2-40B4-BE49-F238E27FC236}">
+                <a16:creationId xmlns:a16="http://schemas.microsoft.com/office/drawing/2014/main" id="{E892D1CA-3639-4528-AD17-6A167534B2F0}"/>
+              </a:ext>
+            </a:extLst>
+          </p:cNvPr>
+          <p:cNvSpPr>
+            <a:spLocks noGrp="1"/>
+          </p:cNvSpPr>
+          <p:nvPr>
+            <p:ph type="title"/>
+          </p:nvPr>
+        </p:nvSpPr>
+        <p:spPr/>
+        <p:txBody>
+          <a:bodyPr/>
+          <a:lstStyle/>
+          <a:p>
+            <a:endParaRPr lang="he-IL"/>
+          </a:p>
+        </p:txBody>
+      </p:sp>
+      <p:pic>
+        <p:nvPicPr>
+          <p:cNvPr id="6" name="מציין מיקום תוכן 5">
+            <a:extLst>
+              <a:ext uri="{FF2B5EF4-FFF2-40B4-BE49-F238E27FC236}">
+                <a16:creationId xmlns:a16="http://schemas.microsoft.com/office/drawing/2014/main" id="{51496A71-7033-4783-9C3A-AD770D139F3A}"/>
+              </a:ext>
+            </a:extLst>
+          </p:cNvPr>
+          <p:cNvPicPr>
+            <a:picLocks noGrp="1" noChangeAspect="1"/>
+          </p:cNvPicPr>
+          <p:nvPr>
+            <p:ph idx="1"/>
+          </p:nvPr>
+        </p:nvPicPr>
+        <p:blipFill>
+          <a:blip r:embed="rId2">
+            <a:extLst>
+              <a:ext uri="{28A0092B-C50C-407E-A947-70E740481C1C}">
+                <a14:useLocalDpi xmlns:a14="http://schemas.microsoft.com/office/drawing/2010/main" val="0"/>
+              </a:ext>
+            </a:extLst>
+          </a:blip>
+          <a:stretch>
+            <a:fillRect/>
+          </a:stretch>
+        </p:blipFill>
+        <p:spPr>
+          <a:xfrm>
+            <a:off x="1768252" y="2502617"/>
+            <a:ext cx="8655495" cy="2997354"/>
+          </a:xfrm>
+        </p:spPr>
+      </p:pic>
+      <p:sp>
+        <p:nvSpPr>
+          <p:cNvPr id="4" name="מציין מיקום של תאריך 3">
+            <a:extLst>
+              <a:ext uri="{FF2B5EF4-FFF2-40B4-BE49-F238E27FC236}">
+                <a16:creationId xmlns:a16="http://schemas.microsoft.com/office/drawing/2014/main" id="{3D6FBC32-1866-49CD-B783-10119E370985}"/>
+              </a:ext>
+            </a:extLst>
+          </p:cNvPr>
+          <p:cNvSpPr>
+            <a:spLocks noGrp="1"/>
+          </p:cNvSpPr>
+          <p:nvPr>
+            <p:ph type="dt" sz="half" idx="10"/>
+          </p:nvPr>
+        </p:nvSpPr>
+        <p:spPr>
+          <a:xfrm>
+            <a:off x="8610600" y="365125"/>
+            <a:ext cx="2743200" cy="365125"/>
+          </a:xfrm>
+        </p:spPr>
+        <p:txBody>
+          <a:bodyPr/>
+          <a:lstStyle/>
+          <a:p>
+            <a:r>
+              <a:rPr lang="he-IL" dirty="0"/>
+              <a:t>בס"ד</a:t>
+            </a:r>
+          </a:p>
+        </p:txBody>
+      </p:sp>
+    </p:spTree>
+    <p:extLst>
+      <p:ext uri="{BB962C8B-B14F-4D97-AF65-F5344CB8AC3E}">
+        <p14:creationId xmlns:p14="http://schemas.microsoft.com/office/powerpoint/2010/main" val="206774896"/>
+      </p:ext>
+    </p:extLst>
+  </p:cSld>
+  <p:clrMapOvr>
+    <a:masterClrMapping/>
+  </p:clrMapOvr>
+</p:sld>
+</file>
+
+<file path=ppt/slides/slide29.xml><?xml version="1.0" encoding="utf-8"?>
+<p:sld xmlns:a="http://schemas.openxmlformats.org/drawingml/2006/main" xmlns:r="http://schemas.openxmlformats.org/officeDocument/2006/relationships" xmlns:p="http://schemas.openxmlformats.org/presentationml/2006/main">
+  <p:cSld>
+    <p:spTree>
+      <p:nvGrpSpPr>
+        <p:cNvPr id="1" name=""/>
+        <p:cNvGrpSpPr/>
+        <p:nvPr/>
+      </p:nvGrpSpPr>
+      <p:grpSpPr>
+        <a:xfrm>
+          <a:off x="0" y="0"/>
+          <a:ext cx="0" cy="0"/>
+          <a:chOff x="0" y="0"/>
+          <a:chExt cx="0" cy="0"/>
+        </a:xfrm>
+      </p:grpSpPr>
+      <p:sp>
+        <p:nvSpPr>
+          <p:cNvPr id="2" name="כותרת 1">
+            <a:extLst>
+              <a:ext uri="{FF2B5EF4-FFF2-40B4-BE49-F238E27FC236}">
+                <a16:creationId xmlns:a16="http://schemas.microsoft.com/office/drawing/2014/main" id="{FCCF9D9D-817C-4548-86E9-B8D04E798EB8}"/>
+              </a:ext>
+            </a:extLst>
+          </p:cNvPr>
+          <p:cNvSpPr>
+            <a:spLocks noGrp="1"/>
+          </p:cNvSpPr>
+          <p:nvPr>
+            <p:ph type="title"/>
+          </p:nvPr>
+        </p:nvSpPr>
+        <p:spPr/>
+        <p:txBody>
+          <a:bodyPr/>
+          <a:lstStyle/>
+          <a:p>
+            <a:endParaRPr lang="he-IL"/>
+          </a:p>
+        </p:txBody>
+      </p:sp>
+      <p:pic>
+        <p:nvPicPr>
+          <p:cNvPr id="6" name="מציין מיקום תוכן 5">
+            <a:extLst>
+              <a:ext uri="{FF2B5EF4-FFF2-40B4-BE49-F238E27FC236}">
+                <a16:creationId xmlns:a16="http://schemas.microsoft.com/office/drawing/2014/main" id="{36B2693F-A80B-4AD3-A80B-AF907EDF3BE0}"/>
+              </a:ext>
+            </a:extLst>
+          </p:cNvPr>
+          <p:cNvPicPr>
+            <a:picLocks noGrp="1" noChangeAspect="1"/>
+          </p:cNvPicPr>
+          <p:nvPr>
+            <p:ph idx="1"/>
+          </p:nvPr>
+        </p:nvPicPr>
+        <p:blipFill>
+          <a:blip r:embed="rId2">
+            <a:extLst>
+              <a:ext uri="{28A0092B-C50C-407E-A947-70E740481C1C}">
+                <a14:useLocalDpi xmlns:a14="http://schemas.microsoft.com/office/drawing/2010/main" val="0"/>
+              </a:ext>
+            </a:extLst>
+          </a:blip>
+          <a:stretch>
+            <a:fillRect/>
+          </a:stretch>
+        </p:blipFill>
+        <p:spPr>
+          <a:xfrm>
+            <a:off x="1853982" y="2200976"/>
+            <a:ext cx="9163746" cy="3889105"/>
+          </a:xfrm>
+        </p:spPr>
+      </p:pic>
+      <p:sp>
+        <p:nvSpPr>
+          <p:cNvPr id="4" name="מציין מיקום של תאריך 3">
+            <a:extLst>
+              <a:ext uri="{FF2B5EF4-FFF2-40B4-BE49-F238E27FC236}">
+                <a16:creationId xmlns:a16="http://schemas.microsoft.com/office/drawing/2014/main" id="{CF2E3FBE-1411-4F6B-81DF-114FA636AB3F}"/>
+              </a:ext>
+            </a:extLst>
+          </p:cNvPr>
+          <p:cNvSpPr>
+            <a:spLocks noGrp="1"/>
+          </p:cNvSpPr>
+          <p:nvPr>
+            <p:ph type="dt" sz="half" idx="10"/>
+          </p:nvPr>
+        </p:nvSpPr>
+        <p:spPr>
+          <a:xfrm>
+            <a:off x="8610600" y="365125"/>
+            <a:ext cx="2743200" cy="365125"/>
+          </a:xfrm>
+        </p:spPr>
+        <p:txBody>
+          <a:bodyPr/>
+          <a:lstStyle/>
+          <a:p>
+            <a:r>
+              <a:rPr lang="he-IL" dirty="0"/>
+              <a:t>בס"ד</a:t>
+            </a:r>
+          </a:p>
+        </p:txBody>
+      </p:sp>
+    </p:spTree>
+    <p:extLst>
+      <p:ext uri="{BB962C8B-B14F-4D97-AF65-F5344CB8AC3E}">
+        <p14:creationId xmlns:p14="http://schemas.microsoft.com/office/powerpoint/2010/main" val="536972207"/>
+      </p:ext>
+    </p:extLst>
+  </p:cSld>
+  <p:clrMapOvr>
+    <a:masterClrMapping/>
+  </p:clrMapOvr>
+</p:sld>
+</file>
+
 <file path=ppt/slides/slide3.xml><?xml version="1.0" encoding="utf-8"?>
 <p:sld xmlns:a="http://schemas.openxmlformats.org/drawingml/2006/main" xmlns:r="http://schemas.openxmlformats.org/officeDocument/2006/relationships" xmlns:p="http://schemas.openxmlformats.org/presentationml/2006/main">
   <p:cSld>
@@ -4923,7 +6940,7 @@
           <p:cNvPr id="2" name="כותרת 1">
             <a:extLst>
               <a:ext uri="{FF2B5EF4-FFF2-40B4-BE49-F238E27FC236}">
-                <a16:creationId xmlns:a16="http://schemas.microsoft.com/office/drawing/2014/main" id="{2649B393-60B8-4711-AB45-CB32235EFAE1}"/>
+                <a16:creationId xmlns:a16="http://schemas.microsoft.com/office/drawing/2014/main" id="{ED2A3699-EEC9-43C4-92CD-F30D27A1B169}"/>
               </a:ext>
             </a:extLst>
           </p:cNvPr>
@@ -4941,7 +6958,7 @@
           <a:p>
             <a:r>
               <a:rPr lang="he-IL" dirty="0"/>
-              <a:t>דרישות מרכזיות</a:t>
+              <a:t>תיאור המערכת</a:t>
             </a:r>
           </a:p>
         </p:txBody>
@@ -4951,7 +6968,7 @@
           <p:cNvPr id="3" name="מציין מיקום תוכן 2">
             <a:extLst>
               <a:ext uri="{FF2B5EF4-FFF2-40B4-BE49-F238E27FC236}">
-                <a16:creationId xmlns:a16="http://schemas.microsoft.com/office/drawing/2014/main" id="{27CBA6DF-DF7E-461B-864F-8B2F3B213FD8}"/>
+                <a16:creationId xmlns:a16="http://schemas.microsoft.com/office/drawing/2014/main" id="{A25D5A1F-A2E6-4DF7-8116-46ABA7F2EAEF}"/>
               </a:ext>
             </a:extLst>
           </p:cNvPr>
@@ -4967,59 +6984,68 @@
           <a:bodyPr/>
           <a:lstStyle/>
           <a:p>
+            <a:pPr marL="0" indent="0">
+              <a:buNone/>
+            </a:pPr>
             <a:r>
               <a:rPr lang="he-IL" dirty="0"/>
-              <a:t>העלאת סיכום</a:t>
-            </a:r>
-          </a:p>
-          <a:p>
+              <a:t>המערכת דורשת הרשמה על מנת להשתמש בה ומאפשרת לכל משתמש רשום להעלות סיכומים למערכת, לחפש סיכומים קיימים, לדרג אותם, ליצור קשר עם מעלה הסיכום על ידי שליחת מייל ולדווח על תוכן לא ראוי.</a:t>
+            </a:r>
+          </a:p>
+          <a:p>
+            <a:pPr marL="0" indent="0">
+              <a:buNone/>
+            </a:pPr>
             <a:r>
               <a:rPr lang="he-IL" dirty="0"/>
-              <a:t>הורדת סיכום</a:t>
-            </a:r>
-          </a:p>
-          <a:p>
+              <a:t>המערכת מספקת למשתמש שמעלה סיכומים גישה למסך שמרכז את כל הסיכומים שהוא העלה ומעקב אחר דירוג הסיכומים ומחיקתם במידת הצורך.</a:t>
+            </a:r>
+          </a:p>
+          <a:p>
+            <a:pPr marL="0" indent="0">
+              <a:buNone/>
+            </a:pPr>
             <a:r>
               <a:rPr lang="he-IL" dirty="0"/>
-              <a:t>דירוג סיכום</a:t>
-            </a:r>
-          </a:p>
+              <a:t>המערכת מאפשרת מעקב מנהל אחר סיכומים שדווחו כבעלי תוכן לא ראוי ומחיקתם במידת הצורך.</a:t>
+            </a:r>
+          </a:p>
+          <a:p>
+            <a:pPr marL="0" indent="0">
+              <a:buNone/>
+            </a:pPr>
+            <a:endParaRPr lang="he-IL" dirty="0"/>
+          </a:p>
+        </p:txBody>
+      </p:sp>
+      <p:sp>
+        <p:nvSpPr>
+          <p:cNvPr id="4" name="מציין מיקום של תאריך 3">
+            <a:extLst>
+              <a:ext uri="{FF2B5EF4-FFF2-40B4-BE49-F238E27FC236}">
+                <a16:creationId xmlns:a16="http://schemas.microsoft.com/office/drawing/2014/main" id="{06976F96-FE06-43C2-AF72-3D72CFE0ADBB}"/>
+              </a:ext>
+            </a:extLst>
+          </p:cNvPr>
+          <p:cNvSpPr>
+            <a:spLocks noGrp="1"/>
+          </p:cNvSpPr>
+          <p:nvPr>
+            <p:ph type="dt" sz="half" idx="10"/>
+          </p:nvPr>
+        </p:nvSpPr>
+        <p:spPr>
+          <a:xfrm>
+            <a:off x="8610600" y="498474"/>
+            <a:ext cx="2743200" cy="365125"/>
+          </a:xfrm>
+        </p:spPr>
+        <p:txBody>
+          <a:bodyPr/>
+          <a:lstStyle/>
           <a:p>
             <a:r>
               <a:rPr lang="he-IL" dirty="0"/>
-              <a:t>בקרת מנהל</a:t>
-            </a:r>
-          </a:p>
-        </p:txBody>
-      </p:sp>
-      <p:sp>
-        <p:nvSpPr>
-          <p:cNvPr id="4" name="מציין מיקום של תאריך 3">
-            <a:extLst>
-              <a:ext uri="{FF2B5EF4-FFF2-40B4-BE49-F238E27FC236}">
-                <a16:creationId xmlns:a16="http://schemas.microsoft.com/office/drawing/2014/main" id="{327747FA-C53F-4E73-A077-0D0DB2CEAE61}"/>
-              </a:ext>
-            </a:extLst>
-          </p:cNvPr>
-          <p:cNvSpPr>
-            <a:spLocks noGrp="1"/>
-          </p:cNvSpPr>
-          <p:nvPr>
-            <p:ph type="dt" sz="half" idx="10"/>
-          </p:nvPr>
-        </p:nvSpPr>
-        <p:spPr>
-          <a:xfrm>
-            <a:off x="8699376" y="315912"/>
-            <a:ext cx="2743200" cy="365125"/>
-          </a:xfrm>
-        </p:spPr>
-        <p:txBody>
-          <a:bodyPr/>
-          <a:lstStyle/>
-          <a:p>
-            <a:r>
-              <a:rPr lang="he-IL"/>
               <a:t>בס"ד</a:t>
             </a:r>
           </a:p>
@@ -5028,7 +7054,254 @@
     </p:spTree>
     <p:extLst>
       <p:ext uri="{BB962C8B-B14F-4D97-AF65-F5344CB8AC3E}">
-        <p14:creationId xmlns:p14="http://schemas.microsoft.com/office/powerpoint/2010/main" val="3264487186"/>
+        <p14:creationId xmlns:p14="http://schemas.microsoft.com/office/powerpoint/2010/main" val="2169555313"/>
+      </p:ext>
+    </p:extLst>
+  </p:cSld>
+  <p:clrMapOvr>
+    <a:masterClrMapping/>
+  </p:clrMapOvr>
+</p:sld>
+</file>
+
+<file path=ppt/slides/slide30.xml><?xml version="1.0" encoding="utf-8"?>
+<p:sld xmlns:a="http://schemas.openxmlformats.org/drawingml/2006/main" xmlns:r="http://schemas.openxmlformats.org/officeDocument/2006/relationships" xmlns:p="http://schemas.openxmlformats.org/presentationml/2006/main">
+  <p:cSld>
+    <p:spTree>
+      <p:nvGrpSpPr>
+        <p:cNvPr id="1" name=""/>
+        <p:cNvGrpSpPr/>
+        <p:nvPr/>
+      </p:nvGrpSpPr>
+      <p:grpSpPr>
+        <a:xfrm>
+          <a:off x="0" y="0"/>
+          <a:ext cx="0" cy="0"/>
+          <a:chOff x="0" y="0"/>
+          <a:chExt cx="0" cy="0"/>
+        </a:xfrm>
+      </p:grpSpPr>
+      <p:sp>
+        <p:nvSpPr>
+          <p:cNvPr id="2" name="כותרת 1">
+            <a:extLst>
+              <a:ext uri="{FF2B5EF4-FFF2-40B4-BE49-F238E27FC236}">
+                <a16:creationId xmlns:a16="http://schemas.microsoft.com/office/drawing/2014/main" id="{8CD90D45-F29F-4BB0-A5CF-F75A05C0A94B}"/>
+              </a:ext>
+            </a:extLst>
+          </p:cNvPr>
+          <p:cNvSpPr>
+            <a:spLocks noGrp="1"/>
+          </p:cNvSpPr>
+          <p:nvPr>
+            <p:ph type="title"/>
+          </p:nvPr>
+        </p:nvSpPr>
+        <p:spPr/>
+        <p:txBody>
+          <a:bodyPr/>
+          <a:lstStyle/>
+          <a:p>
+            <a:endParaRPr lang="he-IL"/>
+          </a:p>
+        </p:txBody>
+      </p:sp>
+      <p:pic>
+        <p:nvPicPr>
+          <p:cNvPr id="6" name="מציין מיקום תוכן 5">
+            <a:extLst>
+              <a:ext uri="{FF2B5EF4-FFF2-40B4-BE49-F238E27FC236}">
+                <a16:creationId xmlns:a16="http://schemas.microsoft.com/office/drawing/2014/main" id="{73C3DBCC-440D-4830-A58E-1D06AE05026A}"/>
+              </a:ext>
+            </a:extLst>
+          </p:cNvPr>
+          <p:cNvPicPr>
+            <a:picLocks noGrp="1" noChangeAspect="1"/>
+          </p:cNvPicPr>
+          <p:nvPr>
+            <p:ph idx="1"/>
+          </p:nvPr>
+        </p:nvPicPr>
+        <p:blipFill>
+          <a:blip r:embed="rId2"/>
+          <a:stretch>
+            <a:fillRect/>
+          </a:stretch>
+        </p:blipFill>
+        <p:spPr>
+          <a:xfrm>
+            <a:off x="976544" y="1690688"/>
+            <a:ext cx="9952737" cy="4758021"/>
+          </a:xfrm>
+        </p:spPr>
+      </p:pic>
+      <p:sp>
+        <p:nvSpPr>
+          <p:cNvPr id="4" name="מציין מיקום של תאריך 3">
+            <a:extLst>
+              <a:ext uri="{FF2B5EF4-FFF2-40B4-BE49-F238E27FC236}">
+                <a16:creationId xmlns:a16="http://schemas.microsoft.com/office/drawing/2014/main" id="{52F27C16-A232-4ABD-A4E4-415056638F7F}"/>
+              </a:ext>
+            </a:extLst>
+          </p:cNvPr>
+          <p:cNvSpPr>
+            <a:spLocks noGrp="1"/>
+          </p:cNvSpPr>
+          <p:nvPr>
+            <p:ph type="dt" sz="half" idx="10"/>
+          </p:nvPr>
+        </p:nvSpPr>
+        <p:spPr>
+          <a:xfrm>
+            <a:off x="8610600" y="365125"/>
+            <a:ext cx="2743200" cy="365125"/>
+          </a:xfrm>
+        </p:spPr>
+        <p:txBody>
+          <a:bodyPr/>
+          <a:lstStyle/>
+          <a:p>
+            <a:r>
+              <a:rPr lang="he-IL" dirty="0"/>
+              <a:t>בס"ד</a:t>
+            </a:r>
+          </a:p>
+        </p:txBody>
+      </p:sp>
+    </p:spTree>
+    <p:extLst>
+      <p:ext uri="{BB962C8B-B14F-4D97-AF65-F5344CB8AC3E}">
+        <p14:creationId xmlns:p14="http://schemas.microsoft.com/office/powerpoint/2010/main" val="253692264"/>
+      </p:ext>
+    </p:extLst>
+  </p:cSld>
+  <p:clrMapOvr>
+    <a:masterClrMapping/>
+  </p:clrMapOvr>
+</p:sld>
+</file>
+
+<file path=ppt/slides/slide31.xml><?xml version="1.0" encoding="utf-8"?>
+<p:sld xmlns:a="http://schemas.openxmlformats.org/drawingml/2006/main" xmlns:r="http://schemas.openxmlformats.org/officeDocument/2006/relationships" xmlns:p="http://schemas.openxmlformats.org/presentationml/2006/main">
+  <p:cSld>
+    <p:spTree>
+      <p:nvGrpSpPr>
+        <p:cNvPr id="1" name=""/>
+        <p:cNvGrpSpPr/>
+        <p:nvPr/>
+      </p:nvGrpSpPr>
+      <p:grpSpPr>
+        <a:xfrm>
+          <a:off x="0" y="0"/>
+          <a:ext cx="0" cy="0"/>
+          <a:chOff x="0" y="0"/>
+          <a:chExt cx="0" cy="0"/>
+        </a:xfrm>
+      </p:grpSpPr>
+      <p:sp>
+        <p:nvSpPr>
+          <p:cNvPr id="2" name="כותרת 1">
+            <a:extLst>
+              <a:ext uri="{FF2B5EF4-FFF2-40B4-BE49-F238E27FC236}">
+                <a16:creationId xmlns:a16="http://schemas.microsoft.com/office/drawing/2014/main" id="{146BD33D-7F6C-4786-AD4C-9877CF6EE231}"/>
+              </a:ext>
+            </a:extLst>
+          </p:cNvPr>
+          <p:cNvSpPr>
+            <a:spLocks noGrp="1"/>
+          </p:cNvSpPr>
+          <p:nvPr>
+            <p:ph type="title"/>
+          </p:nvPr>
+        </p:nvSpPr>
+        <p:spPr/>
+        <p:txBody>
+          <a:bodyPr/>
+          <a:lstStyle/>
+          <a:p>
+            <a:r>
+              <a:rPr lang="he-IL" dirty="0"/>
+              <a:t>קישור </a:t>
+            </a:r>
+            <a:r>
+              <a:rPr lang="he-IL" dirty="0" err="1"/>
+              <a:t>לפרוייקט</a:t>
+            </a:r>
+            <a:endParaRPr lang="he-IL" dirty="0"/>
+          </a:p>
+        </p:txBody>
+      </p:sp>
+      <p:sp>
+        <p:nvSpPr>
+          <p:cNvPr id="3" name="מציין מיקום תוכן 2">
+            <a:extLst>
+              <a:ext uri="{FF2B5EF4-FFF2-40B4-BE49-F238E27FC236}">
+                <a16:creationId xmlns:a16="http://schemas.microsoft.com/office/drawing/2014/main" id="{BC94D68E-5D60-4F22-A617-EE853D3D77AD}"/>
+              </a:ext>
+            </a:extLst>
+          </p:cNvPr>
+          <p:cNvSpPr>
+            <a:spLocks noGrp="1"/>
+          </p:cNvSpPr>
+          <p:nvPr>
+            <p:ph idx="1"/>
+          </p:nvPr>
+        </p:nvSpPr>
+        <p:spPr/>
+        <p:txBody>
+          <a:bodyPr/>
+          <a:lstStyle/>
+          <a:p>
+            <a:pPr marL="0" indent="0" algn="l">
+              <a:buNone/>
+            </a:pPr>
+            <a:r>
+              <a:rPr lang="en-US" dirty="0">
+                <a:hlinkClick r:id="rId2"/>
+              </a:rPr>
+              <a:t>https://github.com/bhori/Software-Engineering</a:t>
+            </a:r>
+            <a:endParaRPr lang="he-IL" dirty="0"/>
+          </a:p>
+        </p:txBody>
+      </p:sp>
+      <p:sp>
+        <p:nvSpPr>
+          <p:cNvPr id="4" name="מציין מיקום של תאריך 3">
+            <a:extLst>
+              <a:ext uri="{FF2B5EF4-FFF2-40B4-BE49-F238E27FC236}">
+                <a16:creationId xmlns:a16="http://schemas.microsoft.com/office/drawing/2014/main" id="{91F2A76D-22D0-4796-8299-036A12F80BC6}"/>
+              </a:ext>
+            </a:extLst>
+          </p:cNvPr>
+          <p:cNvSpPr>
+            <a:spLocks noGrp="1"/>
+          </p:cNvSpPr>
+          <p:nvPr>
+            <p:ph type="dt" sz="half" idx="10"/>
+          </p:nvPr>
+        </p:nvSpPr>
+        <p:spPr>
+          <a:xfrm>
+            <a:off x="8610600" y="498474"/>
+            <a:ext cx="2743200" cy="365125"/>
+          </a:xfrm>
+        </p:spPr>
+        <p:txBody>
+          <a:bodyPr/>
+          <a:lstStyle/>
+          <a:p>
+            <a:r>
+              <a:rPr lang="he-IL" dirty="0"/>
+              <a:t>בס"ד</a:t>
+            </a:r>
+          </a:p>
+        </p:txBody>
+      </p:sp>
+    </p:spTree>
+    <p:extLst>
+      <p:ext uri="{BB962C8B-B14F-4D97-AF65-F5344CB8AC3E}">
+        <p14:creationId xmlns:p14="http://schemas.microsoft.com/office/powerpoint/2010/main" val="3330614869"/>
       </p:ext>
     </p:extLst>
   </p:cSld>
@@ -5055,77 +7328,86 @@
           <a:chExt cx="0" cy="0"/>
         </a:xfrm>
       </p:grpSpPr>
-      <p:pic>
-        <p:nvPicPr>
-          <p:cNvPr id="5" name="מציין מיקום תוכן 4">
-            <a:extLst>
-              <a:ext uri="{FF2B5EF4-FFF2-40B4-BE49-F238E27FC236}">
-                <a16:creationId xmlns:a16="http://schemas.microsoft.com/office/drawing/2014/main" id="{79603D8D-8CBF-4AF8-AED1-52EED40D7C0E}"/>
-              </a:ext>
-            </a:extLst>
-          </p:cNvPr>
-          <p:cNvPicPr>
-            <a:picLocks noGrp="1" noChangeAspect="1"/>
-          </p:cNvPicPr>
+      <p:sp>
+        <p:nvSpPr>
+          <p:cNvPr id="2" name="כותרת 1">
+            <a:extLst>
+              <a:ext uri="{FF2B5EF4-FFF2-40B4-BE49-F238E27FC236}">
+                <a16:creationId xmlns:a16="http://schemas.microsoft.com/office/drawing/2014/main" id="{2649B393-60B8-4711-AB45-CB32235EFAE1}"/>
+              </a:ext>
+            </a:extLst>
+          </p:cNvPr>
+          <p:cNvSpPr>
+            <a:spLocks noGrp="1"/>
+          </p:cNvSpPr>
+          <p:nvPr>
+            <p:ph type="title"/>
+          </p:nvPr>
+        </p:nvSpPr>
+        <p:spPr/>
+        <p:txBody>
+          <a:bodyPr/>
+          <a:lstStyle/>
+          <a:p>
+            <a:r>
+              <a:rPr lang="he-IL" dirty="0"/>
+              <a:t>דרישות מרכזיות</a:t>
+            </a:r>
+          </a:p>
+        </p:txBody>
+      </p:sp>
+      <p:sp>
+        <p:nvSpPr>
+          <p:cNvPr id="3" name="מציין מיקום תוכן 2">
+            <a:extLst>
+              <a:ext uri="{FF2B5EF4-FFF2-40B4-BE49-F238E27FC236}">
+                <a16:creationId xmlns:a16="http://schemas.microsoft.com/office/drawing/2014/main" id="{27CBA6DF-DF7E-461B-864F-8B2F3B213FD8}"/>
+              </a:ext>
+            </a:extLst>
+          </p:cNvPr>
+          <p:cNvSpPr>
+            <a:spLocks noGrp="1"/>
+          </p:cNvSpPr>
           <p:nvPr>
             <p:ph idx="1"/>
           </p:nvPr>
-        </p:nvPicPr>
-        <p:blipFill>
-          <a:blip r:embed="rId2">
-            <a:extLst>
-              <a:ext uri="{28A0092B-C50C-407E-A947-70E740481C1C}">
-                <a14:useLocalDpi xmlns:a14="http://schemas.microsoft.com/office/drawing/2010/main" val="0"/>
-              </a:ext>
-            </a:extLst>
-          </a:blip>
-          <a:stretch>
-            <a:fillRect/>
-          </a:stretch>
-        </p:blipFill>
-        <p:spPr>
-          <a:xfrm>
-            <a:off x="2629641" y="1102914"/>
-            <a:ext cx="6487726" cy="5256796"/>
-          </a:xfrm>
-        </p:spPr>
-      </p:pic>
-      <p:sp>
-        <p:nvSpPr>
-          <p:cNvPr id="2" name="כותרת 1">
-            <a:extLst>
-              <a:ext uri="{FF2B5EF4-FFF2-40B4-BE49-F238E27FC236}">
-                <a16:creationId xmlns:a16="http://schemas.microsoft.com/office/drawing/2014/main" id="{5AB7F990-A719-44A4-B8AE-B8ACA8B1334D}"/>
-              </a:ext>
-            </a:extLst>
-          </p:cNvPr>
-          <p:cNvSpPr>
-            <a:spLocks noGrp="1"/>
-          </p:cNvSpPr>
-          <p:nvPr>
-            <p:ph type="title"/>
-          </p:nvPr>
         </p:nvSpPr>
         <p:spPr/>
         <p:txBody>
           <a:bodyPr/>
           <a:lstStyle/>
           <a:p>
-            <a:pPr algn="l"/>
-            <a:r>
-              <a:rPr lang="en-US" dirty="0"/>
-              <a:t>Use-case diagram</a:t>
-            </a:r>
-            <a:endParaRPr lang="he-IL" dirty="0"/>
-          </a:p>
-        </p:txBody>
-      </p:sp>
-      <p:sp>
-        <p:nvSpPr>
-          <p:cNvPr id="6" name="מציין מיקום של תאריך 5">
-            <a:extLst>
-              <a:ext uri="{FF2B5EF4-FFF2-40B4-BE49-F238E27FC236}">
-                <a16:creationId xmlns:a16="http://schemas.microsoft.com/office/drawing/2014/main" id="{6AD71396-71B7-4A47-A9C7-AA6224A9ABAE}"/>
+            <a:r>
+              <a:rPr lang="he-IL" dirty="0"/>
+              <a:t>העלאת סיכום</a:t>
+            </a:r>
+          </a:p>
+          <a:p>
+            <a:r>
+              <a:rPr lang="he-IL" dirty="0"/>
+              <a:t>הורדת סיכום</a:t>
+            </a:r>
+          </a:p>
+          <a:p>
+            <a:r>
+              <a:rPr lang="he-IL" dirty="0"/>
+              <a:t>דירוג סיכום</a:t>
+            </a:r>
+          </a:p>
+          <a:p>
+            <a:r>
+              <a:rPr lang="he-IL" dirty="0"/>
+              <a:t>בקרת מנהל</a:t>
+            </a:r>
+          </a:p>
+        </p:txBody>
+      </p:sp>
+      <p:sp>
+        <p:nvSpPr>
+          <p:cNvPr id="4" name="מציין מיקום של תאריך 3">
+            <a:extLst>
+              <a:ext uri="{FF2B5EF4-FFF2-40B4-BE49-F238E27FC236}">
+                <a16:creationId xmlns:a16="http://schemas.microsoft.com/office/drawing/2014/main" id="{327747FA-C53F-4E73-A077-0D0DB2CEAE61}"/>
               </a:ext>
             </a:extLst>
           </p:cNvPr>
@@ -5138,7 +7420,7 @@
         </p:nvSpPr>
         <p:spPr>
           <a:xfrm>
-            <a:off x="8610600" y="186332"/>
+            <a:off x="8699376" y="315912"/>
             <a:ext cx="2743200" cy="365125"/>
           </a:xfrm>
         </p:spPr>
@@ -5147,7 +7429,7 @@
           <a:lstStyle/>
           <a:p>
             <a:r>
-              <a:rPr lang="he-IL" dirty="0"/>
+              <a:rPr lang="he-IL"/>
               <a:t>בס"ד</a:t>
             </a:r>
           </a:p>
@@ -5156,7 +7438,7 @@
     </p:spTree>
     <p:extLst>
       <p:ext uri="{BB962C8B-B14F-4D97-AF65-F5344CB8AC3E}">
-        <p14:creationId xmlns:p14="http://schemas.microsoft.com/office/powerpoint/2010/main" val="2369633328"/>
+        <p14:creationId xmlns:p14="http://schemas.microsoft.com/office/powerpoint/2010/main" val="3264487186"/>
       </p:ext>
     </p:extLst>
   </p:cSld>
@@ -5185,10 +7467,10 @@
       </p:grpSpPr>
       <p:pic>
         <p:nvPicPr>
-          <p:cNvPr id="6" name="מציין מיקום תוכן 5">
-            <a:extLst>
-              <a:ext uri="{FF2B5EF4-FFF2-40B4-BE49-F238E27FC236}">
-                <a16:creationId xmlns:a16="http://schemas.microsoft.com/office/drawing/2014/main" id="{5CB0248F-8E78-478A-900D-4FE2E4ACC7AC}"/>
+          <p:cNvPr id="5" name="מציין מיקום תוכן 4">
+            <a:extLst>
+              <a:ext uri="{FF2B5EF4-FFF2-40B4-BE49-F238E27FC236}">
+                <a16:creationId xmlns:a16="http://schemas.microsoft.com/office/drawing/2014/main" id="{79603D8D-8CBF-4AF8-AED1-52EED40D7C0E}"/>
               </a:ext>
             </a:extLst>
           </p:cNvPr>
@@ -5213,8 +7495,8 @@
         </p:blipFill>
         <p:spPr>
           <a:xfrm>
-            <a:off x="4375930" y="1257644"/>
-            <a:ext cx="4234670" cy="5356319"/>
+            <a:off x="2629641" y="1102914"/>
+            <a:ext cx="6487726" cy="5256796"/>
           </a:xfrm>
         </p:spPr>
       </p:pic>
@@ -5223,7 +7505,7 @@
           <p:cNvPr id="2" name="כותרת 1">
             <a:extLst>
               <a:ext uri="{FF2B5EF4-FFF2-40B4-BE49-F238E27FC236}">
-                <a16:creationId xmlns:a16="http://schemas.microsoft.com/office/drawing/2014/main" id="{0BA15811-6C2B-44BD-AD53-69640378B8BB}"/>
+                <a16:creationId xmlns:a16="http://schemas.microsoft.com/office/drawing/2014/main" id="{5AB7F990-A719-44A4-B8AE-B8ACA8B1334D}"/>
               </a:ext>
             </a:extLst>
           </p:cNvPr>
@@ -5242,7 +7524,7 @@
             <a:pPr algn="l"/>
             <a:r>
               <a:rPr lang="en-US" dirty="0"/>
-              <a:t>State-machine diagram</a:t>
+              <a:t>Use-case diagram</a:t>
             </a:r>
             <a:endParaRPr lang="he-IL" dirty="0"/>
           </a:p>
@@ -5250,10 +7532,10 @@
       </p:sp>
       <p:sp>
         <p:nvSpPr>
-          <p:cNvPr id="4" name="מציין מיקום של תאריך 3">
-            <a:extLst>
-              <a:ext uri="{FF2B5EF4-FFF2-40B4-BE49-F238E27FC236}">
-                <a16:creationId xmlns:a16="http://schemas.microsoft.com/office/drawing/2014/main" id="{2C795164-FD67-437E-B564-73961AB6B6FE}"/>
+          <p:cNvPr id="6" name="מציין מיקום של תאריך 5">
+            <a:extLst>
+              <a:ext uri="{FF2B5EF4-FFF2-40B4-BE49-F238E27FC236}">
+                <a16:creationId xmlns:a16="http://schemas.microsoft.com/office/drawing/2014/main" id="{6AD71396-71B7-4A47-A9C7-AA6224A9ABAE}"/>
               </a:ext>
             </a:extLst>
           </p:cNvPr>
@@ -5266,7 +7548,7 @@
         </p:nvSpPr>
         <p:spPr>
           <a:xfrm>
-            <a:off x="8610600" y="365125"/>
+            <a:off x="8610600" y="186332"/>
             <a:ext cx="2743200" cy="365125"/>
           </a:xfrm>
         </p:spPr>
@@ -5275,7 +7557,7 @@
           <a:lstStyle/>
           <a:p>
             <a:r>
-              <a:rPr lang="he-IL"/>
+              <a:rPr lang="he-IL" dirty="0"/>
               <a:t>בס"ד</a:t>
             </a:r>
           </a:p>
@@ -5284,7 +7566,7 @@
     </p:spTree>
     <p:extLst>
       <p:ext uri="{BB962C8B-B14F-4D97-AF65-F5344CB8AC3E}">
-        <p14:creationId xmlns:p14="http://schemas.microsoft.com/office/powerpoint/2010/main" val="3925251454"/>
+        <p14:creationId xmlns:p14="http://schemas.microsoft.com/office/powerpoint/2010/main" val="2369633328"/>
       </p:ext>
     </p:extLst>
   </p:cSld>
@@ -5311,42 +7593,12 @@
           <a:chExt cx="0" cy="0"/>
         </a:xfrm>
       </p:grpSpPr>
-      <p:sp>
-        <p:nvSpPr>
-          <p:cNvPr id="2" name="כותרת 1">
-            <a:extLst>
-              <a:ext uri="{FF2B5EF4-FFF2-40B4-BE49-F238E27FC236}">
-                <a16:creationId xmlns:a16="http://schemas.microsoft.com/office/drawing/2014/main" id="{A271F19D-A904-45B9-AF94-F7CA7876C529}"/>
-              </a:ext>
-            </a:extLst>
-          </p:cNvPr>
-          <p:cNvSpPr>
-            <a:spLocks noGrp="1"/>
-          </p:cNvSpPr>
-          <p:nvPr>
-            <p:ph type="title"/>
-          </p:nvPr>
-        </p:nvSpPr>
-        <p:spPr/>
-        <p:txBody>
-          <a:bodyPr/>
-          <a:lstStyle/>
-          <a:p>
-            <a:pPr algn="l"/>
-            <a:r>
-              <a:rPr lang="en-US" dirty="0"/>
-              <a:t>Activity diagram</a:t>
-            </a:r>
-            <a:endParaRPr lang="he-IL" dirty="0"/>
-          </a:p>
-        </p:txBody>
-      </p:sp>
       <p:pic>
         <p:nvPicPr>
           <p:cNvPr id="6" name="מציין מיקום תוכן 5">
             <a:extLst>
               <a:ext uri="{FF2B5EF4-FFF2-40B4-BE49-F238E27FC236}">
-                <a16:creationId xmlns:a16="http://schemas.microsoft.com/office/drawing/2014/main" id="{372A0D5A-BB40-4B34-A521-707796ACE7CC}"/>
+                <a16:creationId xmlns:a16="http://schemas.microsoft.com/office/drawing/2014/main" id="{5CB0248F-8E78-478A-900D-4FE2E4ACC7AC}"/>
               </a:ext>
             </a:extLst>
           </p:cNvPr>
@@ -5371,17 +7623,47 @@
         </p:blipFill>
         <p:spPr>
           <a:xfrm>
-            <a:off x="5350805" y="493555"/>
-            <a:ext cx="1946640" cy="5683408"/>
+            <a:off x="4375930" y="1257644"/>
+            <a:ext cx="4234670" cy="5356319"/>
           </a:xfrm>
         </p:spPr>
       </p:pic>
       <p:sp>
         <p:nvSpPr>
+          <p:cNvPr id="2" name="כותרת 1">
+            <a:extLst>
+              <a:ext uri="{FF2B5EF4-FFF2-40B4-BE49-F238E27FC236}">
+                <a16:creationId xmlns:a16="http://schemas.microsoft.com/office/drawing/2014/main" id="{0BA15811-6C2B-44BD-AD53-69640378B8BB}"/>
+              </a:ext>
+            </a:extLst>
+          </p:cNvPr>
+          <p:cNvSpPr>
+            <a:spLocks noGrp="1"/>
+          </p:cNvSpPr>
+          <p:nvPr>
+            <p:ph type="title"/>
+          </p:nvPr>
+        </p:nvSpPr>
+        <p:spPr/>
+        <p:txBody>
+          <a:bodyPr/>
+          <a:lstStyle/>
+          <a:p>
+            <a:pPr algn="l"/>
+            <a:r>
+              <a:rPr lang="en-US" dirty="0"/>
+              <a:t>State-machine diagram</a:t>
+            </a:r>
+            <a:endParaRPr lang="he-IL" dirty="0"/>
+          </a:p>
+        </p:txBody>
+      </p:sp>
+      <p:sp>
+        <p:nvSpPr>
           <p:cNvPr id="4" name="מציין מיקום של תאריך 3">
             <a:extLst>
               <a:ext uri="{FF2B5EF4-FFF2-40B4-BE49-F238E27FC236}">
-                <a16:creationId xmlns:a16="http://schemas.microsoft.com/office/drawing/2014/main" id="{8E1020BF-87F9-4F75-A123-C426BEAFD4D6}"/>
+                <a16:creationId xmlns:a16="http://schemas.microsoft.com/office/drawing/2014/main" id="{2C795164-FD67-437E-B564-73961AB6B6FE}"/>
               </a:ext>
             </a:extLst>
           </p:cNvPr>
@@ -5394,7 +7676,7 @@
         </p:nvSpPr>
         <p:spPr>
           <a:xfrm>
-            <a:off x="8610600" y="493555"/>
+            <a:off x="8610600" y="365125"/>
             <a:ext cx="2743200" cy="365125"/>
           </a:xfrm>
         </p:spPr>
@@ -5403,7 +7685,7 @@
           <a:lstStyle/>
           <a:p>
             <a:r>
-              <a:rPr lang="he-IL" dirty="0"/>
+              <a:rPr lang="he-IL"/>
               <a:t>בס"ד</a:t>
             </a:r>
           </a:p>
@@ -5412,7 +7694,7 @@
     </p:spTree>
     <p:extLst>
       <p:ext uri="{BB962C8B-B14F-4D97-AF65-F5344CB8AC3E}">
-        <p14:creationId xmlns:p14="http://schemas.microsoft.com/office/powerpoint/2010/main" val="2299400295"/>
+        <p14:creationId xmlns:p14="http://schemas.microsoft.com/office/powerpoint/2010/main" val="3925251454"/>
       </p:ext>
     </p:extLst>
   </p:cSld>
@@ -5439,12 +7721,42 @@
           <a:chExt cx="0" cy="0"/>
         </a:xfrm>
       </p:grpSpPr>
+      <p:sp>
+        <p:nvSpPr>
+          <p:cNvPr id="2" name="כותרת 1">
+            <a:extLst>
+              <a:ext uri="{FF2B5EF4-FFF2-40B4-BE49-F238E27FC236}">
+                <a16:creationId xmlns:a16="http://schemas.microsoft.com/office/drawing/2014/main" id="{A271F19D-A904-45B9-AF94-F7CA7876C529}"/>
+              </a:ext>
+            </a:extLst>
+          </p:cNvPr>
+          <p:cNvSpPr>
+            <a:spLocks noGrp="1"/>
+          </p:cNvSpPr>
+          <p:nvPr>
+            <p:ph type="title"/>
+          </p:nvPr>
+        </p:nvSpPr>
+        <p:spPr/>
+        <p:txBody>
+          <a:bodyPr/>
+          <a:lstStyle/>
+          <a:p>
+            <a:pPr algn="l"/>
+            <a:r>
+              <a:rPr lang="en-US" dirty="0"/>
+              <a:t>Activity diagram</a:t>
+            </a:r>
+            <a:endParaRPr lang="he-IL" dirty="0"/>
+          </a:p>
+        </p:txBody>
+      </p:sp>
       <p:pic>
         <p:nvPicPr>
           <p:cNvPr id="6" name="מציין מיקום תוכן 5">
             <a:extLst>
               <a:ext uri="{FF2B5EF4-FFF2-40B4-BE49-F238E27FC236}">
-                <a16:creationId xmlns:a16="http://schemas.microsoft.com/office/drawing/2014/main" id="{1A2F8FEB-BC59-44CF-A407-56BC992FABAA}"/>
+                <a16:creationId xmlns:a16="http://schemas.microsoft.com/office/drawing/2014/main" id="{372A0D5A-BB40-4B34-A521-707796ACE7CC}"/>
               </a:ext>
             </a:extLst>
           </p:cNvPr>
@@ -5469,47 +7781,17 @@
         </p:blipFill>
         <p:spPr>
           <a:xfrm>
-            <a:off x="2361460" y="1250178"/>
-            <a:ext cx="7989903" cy="5165516"/>
+            <a:off x="5350805" y="493555"/>
+            <a:ext cx="1946640" cy="5683408"/>
           </a:xfrm>
         </p:spPr>
       </p:pic>
       <p:sp>
         <p:nvSpPr>
-          <p:cNvPr id="2" name="כותרת 1">
-            <a:extLst>
-              <a:ext uri="{FF2B5EF4-FFF2-40B4-BE49-F238E27FC236}">
-                <a16:creationId xmlns:a16="http://schemas.microsoft.com/office/drawing/2014/main" id="{8E26B52E-0BCE-44B2-B3D1-8839CD06046A}"/>
-              </a:ext>
-            </a:extLst>
-          </p:cNvPr>
-          <p:cNvSpPr>
-            <a:spLocks noGrp="1"/>
-          </p:cNvSpPr>
-          <p:nvPr>
-            <p:ph type="title"/>
-          </p:nvPr>
-        </p:nvSpPr>
-        <p:spPr/>
-        <p:txBody>
-          <a:bodyPr/>
-          <a:lstStyle/>
-          <a:p>
-            <a:pPr algn="l"/>
-            <a:r>
-              <a:rPr lang="en-US" dirty="0"/>
-              <a:t>Class diagram</a:t>
-            </a:r>
-            <a:endParaRPr lang="he-IL" dirty="0"/>
-          </a:p>
-        </p:txBody>
-      </p:sp>
-      <p:sp>
-        <p:nvSpPr>
           <p:cNvPr id="4" name="מציין מיקום של תאריך 3">
             <a:extLst>
               <a:ext uri="{FF2B5EF4-FFF2-40B4-BE49-F238E27FC236}">
-                <a16:creationId xmlns:a16="http://schemas.microsoft.com/office/drawing/2014/main" id="{C7F635F9-8A3D-4579-B418-50E42C21C3D8}"/>
+                <a16:creationId xmlns:a16="http://schemas.microsoft.com/office/drawing/2014/main" id="{8E1020BF-87F9-4F75-A123-C426BEAFD4D6}"/>
               </a:ext>
             </a:extLst>
           </p:cNvPr>
@@ -5522,7 +7804,7 @@
         </p:nvSpPr>
         <p:spPr>
           <a:xfrm>
-            <a:off x="8610600" y="498474"/>
+            <a:off x="8610600" y="493555"/>
             <a:ext cx="2743200" cy="365125"/>
           </a:xfrm>
         </p:spPr>
@@ -5531,7 +7813,7 @@
           <a:lstStyle/>
           <a:p>
             <a:r>
-              <a:rPr lang="he-IL"/>
+              <a:rPr lang="he-IL" dirty="0"/>
               <a:t>בס"ד</a:t>
             </a:r>
           </a:p>
@@ -5540,7 +7822,7 @@
     </p:spTree>
     <p:extLst>
       <p:ext uri="{BB962C8B-B14F-4D97-AF65-F5344CB8AC3E}">
-        <p14:creationId xmlns:p14="http://schemas.microsoft.com/office/powerpoint/2010/main" val="2217417440"/>
+        <p14:creationId xmlns:p14="http://schemas.microsoft.com/office/powerpoint/2010/main" val="2299400295"/>
       </p:ext>
     </p:extLst>
   </p:cSld>
@@ -5567,42 +7849,12 @@
           <a:chExt cx="0" cy="0"/>
         </a:xfrm>
       </p:grpSpPr>
-      <p:sp>
-        <p:nvSpPr>
-          <p:cNvPr id="2" name="כותרת 1">
-            <a:extLst>
-              <a:ext uri="{FF2B5EF4-FFF2-40B4-BE49-F238E27FC236}">
-                <a16:creationId xmlns:a16="http://schemas.microsoft.com/office/drawing/2014/main" id="{C7AC6B66-2C4C-40BD-ADCF-ED9278F0F84D}"/>
-              </a:ext>
-            </a:extLst>
-          </p:cNvPr>
-          <p:cNvSpPr>
-            <a:spLocks noGrp="1"/>
-          </p:cNvSpPr>
-          <p:nvPr>
-            <p:ph type="title"/>
-          </p:nvPr>
-        </p:nvSpPr>
-        <p:spPr/>
-        <p:txBody>
-          <a:bodyPr/>
-          <a:lstStyle/>
-          <a:p>
-            <a:pPr algn="l"/>
-            <a:r>
-              <a:rPr lang="en-US" dirty="0"/>
-              <a:t>Object diagram</a:t>
-            </a:r>
-            <a:endParaRPr lang="he-IL" dirty="0"/>
-          </a:p>
-        </p:txBody>
-      </p:sp>
       <p:pic>
         <p:nvPicPr>
           <p:cNvPr id="6" name="מציין מיקום תוכן 5">
             <a:extLst>
               <a:ext uri="{FF2B5EF4-FFF2-40B4-BE49-F238E27FC236}">
-                <a16:creationId xmlns:a16="http://schemas.microsoft.com/office/drawing/2014/main" id="{8F29A35C-B233-4816-A929-028FF494EC48}"/>
+                <a16:creationId xmlns:a16="http://schemas.microsoft.com/office/drawing/2014/main" id="{1A2F8FEB-BC59-44CF-A407-56BC992FABAA}"/>
               </a:ext>
             </a:extLst>
           </p:cNvPr>
@@ -5627,17 +7879,47 @@
         </p:blipFill>
         <p:spPr>
           <a:xfrm>
-            <a:off x="119746" y="2592987"/>
-            <a:ext cx="11952508" cy="2705806"/>
+            <a:off x="2361460" y="1250178"/>
+            <a:ext cx="7989903" cy="5165516"/>
           </a:xfrm>
         </p:spPr>
       </p:pic>
       <p:sp>
         <p:nvSpPr>
+          <p:cNvPr id="2" name="כותרת 1">
+            <a:extLst>
+              <a:ext uri="{FF2B5EF4-FFF2-40B4-BE49-F238E27FC236}">
+                <a16:creationId xmlns:a16="http://schemas.microsoft.com/office/drawing/2014/main" id="{8E26B52E-0BCE-44B2-B3D1-8839CD06046A}"/>
+              </a:ext>
+            </a:extLst>
+          </p:cNvPr>
+          <p:cNvSpPr>
+            <a:spLocks noGrp="1"/>
+          </p:cNvSpPr>
+          <p:nvPr>
+            <p:ph type="title"/>
+          </p:nvPr>
+        </p:nvSpPr>
+        <p:spPr/>
+        <p:txBody>
+          <a:bodyPr/>
+          <a:lstStyle/>
+          <a:p>
+            <a:pPr algn="l"/>
+            <a:r>
+              <a:rPr lang="en-US" dirty="0"/>
+              <a:t>Class diagram</a:t>
+            </a:r>
+            <a:endParaRPr lang="he-IL" dirty="0"/>
+          </a:p>
+        </p:txBody>
+      </p:sp>
+      <p:sp>
+        <p:nvSpPr>
           <p:cNvPr id="4" name="מציין מיקום של תאריך 3">
             <a:extLst>
               <a:ext uri="{FF2B5EF4-FFF2-40B4-BE49-F238E27FC236}">
-                <a16:creationId xmlns:a16="http://schemas.microsoft.com/office/drawing/2014/main" id="{6CE106B6-E4C5-47A2-BEF5-2492B6F991E9}"/>
+                <a16:creationId xmlns:a16="http://schemas.microsoft.com/office/drawing/2014/main" id="{C7F635F9-8A3D-4579-B418-50E42C21C3D8}"/>
               </a:ext>
             </a:extLst>
           </p:cNvPr>
@@ -5650,7 +7932,7 @@
         </p:nvSpPr>
         <p:spPr>
           <a:xfrm>
-            <a:off x="8610600" y="488211"/>
+            <a:off x="8610600" y="498474"/>
             <a:ext cx="2743200" cy="365125"/>
           </a:xfrm>
         </p:spPr>
@@ -5659,7 +7941,7 @@
           <a:lstStyle/>
           <a:p>
             <a:r>
-              <a:rPr lang="he-IL" dirty="0"/>
+              <a:rPr lang="he-IL"/>
               <a:t>בס"ד</a:t>
             </a:r>
           </a:p>
@@ -5668,7 +7950,7 @@
     </p:spTree>
     <p:extLst>
       <p:ext uri="{BB962C8B-B14F-4D97-AF65-F5344CB8AC3E}">
-        <p14:creationId xmlns:p14="http://schemas.microsoft.com/office/powerpoint/2010/main" val="2256128575"/>
+        <p14:creationId xmlns:p14="http://schemas.microsoft.com/office/powerpoint/2010/main" val="2217417440"/>
       </p:ext>
     </p:extLst>
   </p:cSld>
@@ -5700,7 +7982,7 @@
           <p:cNvPr id="2" name="כותרת 1">
             <a:extLst>
               <a:ext uri="{FF2B5EF4-FFF2-40B4-BE49-F238E27FC236}">
-                <a16:creationId xmlns:a16="http://schemas.microsoft.com/office/drawing/2014/main" id="{846648D6-0B27-4FB7-9D92-5A2D52194A9B}"/>
+                <a16:creationId xmlns:a16="http://schemas.microsoft.com/office/drawing/2014/main" id="{C7AC6B66-2C4C-40BD-ADCF-ED9278F0F84D}"/>
               </a:ext>
             </a:extLst>
           </p:cNvPr>
@@ -5719,7 +8001,7 @@
             <a:pPr algn="l"/>
             <a:r>
               <a:rPr lang="en-US" dirty="0"/>
-              <a:t>Sequence diagram</a:t>
+              <a:t>Object diagram</a:t>
             </a:r>
             <a:endParaRPr lang="he-IL" dirty="0"/>
           </a:p>
@@ -5730,7 +8012,7 @@
           <p:cNvPr id="6" name="מציין מיקום תוכן 5">
             <a:extLst>
               <a:ext uri="{FF2B5EF4-FFF2-40B4-BE49-F238E27FC236}">
-                <a16:creationId xmlns:a16="http://schemas.microsoft.com/office/drawing/2014/main" id="{99F198C9-5185-4823-BD04-09DD377C629A}"/>
+                <a16:creationId xmlns:a16="http://schemas.microsoft.com/office/drawing/2014/main" id="{8F29A35C-B233-4816-A929-028FF494EC48}"/>
               </a:ext>
             </a:extLst>
           </p:cNvPr>
@@ -5755,8 +8037,8 @@
         </p:blipFill>
         <p:spPr>
           <a:xfrm>
-            <a:off x="2423621" y="1825625"/>
-            <a:ext cx="7344758" cy="4351338"/>
+            <a:off x="119746" y="2592987"/>
+            <a:ext cx="11952508" cy="2705806"/>
           </a:xfrm>
         </p:spPr>
       </p:pic>
@@ -5765,7 +8047,7 @@
           <p:cNvPr id="4" name="מציין מיקום של תאריך 3">
             <a:extLst>
               <a:ext uri="{FF2B5EF4-FFF2-40B4-BE49-F238E27FC236}">
-                <a16:creationId xmlns:a16="http://schemas.microsoft.com/office/drawing/2014/main" id="{187FE761-8A9F-4236-BCBB-6A37119B36E3}"/>
+                <a16:creationId xmlns:a16="http://schemas.microsoft.com/office/drawing/2014/main" id="{6CE106B6-E4C5-47A2-BEF5-2492B6F991E9}"/>
               </a:ext>
             </a:extLst>
           </p:cNvPr>
@@ -5778,7 +8060,7 @@
         </p:nvSpPr>
         <p:spPr>
           <a:xfrm>
-            <a:off x="8610600" y="498474"/>
+            <a:off x="8610600" y="488211"/>
             <a:ext cx="2743200" cy="365125"/>
           </a:xfrm>
         </p:spPr>
@@ -5787,7 +8069,7 @@
           <a:lstStyle/>
           <a:p>
             <a:r>
-              <a:rPr lang="he-IL"/>
+              <a:rPr lang="he-IL" dirty="0"/>
               <a:t>בס"ד</a:t>
             </a:r>
           </a:p>
@@ -5796,7 +8078,7 @@
     </p:spTree>
     <p:extLst>
       <p:ext uri="{BB962C8B-B14F-4D97-AF65-F5344CB8AC3E}">
-        <p14:creationId xmlns:p14="http://schemas.microsoft.com/office/powerpoint/2010/main" val="218581016"/>
+        <p14:creationId xmlns:p14="http://schemas.microsoft.com/office/powerpoint/2010/main" val="2256128575"/>
       </p:ext>
     </p:extLst>
   </p:cSld>
